--- a/studies/labor study_A/script_labpilotpersonB.pptx
+++ b/studies/labor study_A/script_labpilotpersonB.pptx
@@ -348,7 +348,7 @@
             <a:fld id="{87DE6118-2437-4B30-8E3C-4D2BE6020583}" type="datetimeFigureOut">
               <a:rPr lang="en-US" smtClean="0"/>
               <a:pPr/>
-              <a:t>7/17/2020</a:t>
+              <a:t>7/28/2020</a:t>
             </a:fld>
             <a:endParaRPr lang="en-US" dirty="0"/>
           </a:p>
@@ -557,7 +557,7 @@
           <a:p>
             <a:fld id="{87DE6118-2437-4B30-8E3C-4D2BE6020583}" type="datetimeFigureOut">
               <a:rPr lang="en-US" smtClean="0"/>
-              <a:t>7/17/2020</a:t>
+              <a:t>7/28/2020</a:t>
             </a:fld>
             <a:endParaRPr lang="en-US" dirty="0"/>
           </a:p>
@@ -813,7 +813,7 @@
           <a:p>
             <a:fld id="{87DE6118-2437-4B30-8E3C-4D2BE6020583}" type="datetimeFigureOut">
               <a:rPr lang="en-US" smtClean="0"/>
-              <a:t>7/17/2020</a:t>
+              <a:t>7/28/2020</a:t>
             </a:fld>
             <a:endParaRPr lang="en-US" dirty="0"/>
           </a:p>
@@ -987,7 +987,7 @@
           <a:p>
             <a:fld id="{87DE6118-2437-4B30-8E3C-4D2BE6020583}" type="datetimeFigureOut">
               <a:rPr lang="en-US" smtClean="0"/>
-              <a:t>7/17/2020</a:t>
+              <a:t>7/28/2020</a:t>
             </a:fld>
             <a:endParaRPr lang="en-US" dirty="0"/>
           </a:p>
@@ -1331,7 +1331,7 @@
             <a:fld id="{87DE6118-2437-4B30-8E3C-4D2BE6020583}" type="datetimeFigureOut">
               <a:rPr lang="en-US" smtClean="0"/>
               <a:pPr/>
-              <a:t>7/17/2020</a:t>
+              <a:t>7/28/2020</a:t>
             </a:fld>
             <a:endParaRPr lang="en-US" dirty="0"/>
           </a:p>
@@ -1607,7 +1607,7 @@
           <a:p>
             <a:fld id="{87DE6118-2437-4B30-8E3C-4D2BE6020583}" type="datetimeFigureOut">
               <a:rPr lang="en-US" smtClean="0"/>
-              <a:t>7/17/2020</a:t>
+              <a:t>7/28/2020</a:t>
             </a:fld>
             <a:endParaRPr lang="en-US" dirty="0"/>
           </a:p>
@@ -1986,7 +1986,7 @@
           <a:p>
             <a:fld id="{87DE6118-2437-4B30-8E3C-4D2BE6020583}" type="datetimeFigureOut">
               <a:rPr lang="en-US" smtClean="0"/>
-              <a:t>7/17/2020</a:t>
+              <a:t>7/28/2020</a:t>
             </a:fld>
             <a:endParaRPr lang="en-US" dirty="0"/>
           </a:p>
@@ -2104,7 +2104,7 @@
           <a:p>
             <a:fld id="{87DE6118-2437-4B30-8E3C-4D2BE6020583}" type="datetimeFigureOut">
               <a:rPr lang="en-US" smtClean="0"/>
-              <a:t>7/17/2020</a:t>
+              <a:t>7/28/2020</a:t>
             </a:fld>
             <a:endParaRPr lang="en-US" dirty="0"/>
           </a:p>
@@ -2275,7 +2275,7 @@
           <a:p>
             <a:fld id="{87DE6118-2437-4B30-8E3C-4D2BE6020583}" type="datetimeFigureOut">
               <a:rPr lang="en-US" smtClean="0"/>
-              <a:t>7/17/2020</a:t>
+              <a:t>7/28/2020</a:t>
             </a:fld>
             <a:endParaRPr lang="en-US" dirty="0"/>
           </a:p>
@@ -2630,7 +2630,7 @@
             <a:fld id="{87DE6118-2437-4B30-8E3C-4D2BE6020583}" type="datetimeFigureOut">
               <a:rPr lang="en-US" smtClean="0"/>
               <a:pPr/>
-              <a:t>7/17/2020</a:t>
+              <a:t>7/28/2020</a:t>
             </a:fld>
             <a:endParaRPr lang="en-US" dirty="0"/>
           </a:p>
@@ -3014,7 +3014,7 @@
             <a:fld id="{87DE6118-2437-4B30-8E3C-4D2BE6020583}" type="datetimeFigureOut">
               <a:rPr lang="en-US" smtClean="0"/>
               <a:pPr/>
-              <a:t>7/17/2020</a:t>
+              <a:t>7/28/2020</a:t>
             </a:fld>
             <a:endParaRPr lang="en-US" dirty="0"/>
           </a:p>
@@ -3303,7 +3303,7 @@
             <a:fld id="{87DE6118-2437-4B30-8E3C-4D2BE6020583}" type="datetimeFigureOut">
               <a:rPr lang="en-US" smtClean="0"/>
               <a:pPr/>
-              <a:t>7/17/2020</a:t>
+              <a:t>7/28/2020</a:t>
             </a:fld>
             <a:endParaRPr lang="en-US" dirty="0"/>
           </a:p>
@@ -4472,8 +4472,8 @@
         </p:nvSpPr>
         <p:spPr>
           <a:xfrm>
-            <a:off x="8495695" y="2318096"/>
-            <a:ext cx="2899110" cy="2800767"/>
+            <a:off x="8495695" y="2102676"/>
+            <a:ext cx="2899110" cy="3046988"/>
           </a:xfrm>
           <a:prstGeom prst="rect">
             <a:avLst/>
@@ -4487,13 +4487,13 @@
           <a:lstStyle/>
           <a:p>
             <a:r>
-              <a:rPr lang="de-DE" sz="4400" dirty="0"/>
+              <a:rPr lang="de-DE" sz="4800" dirty="0"/>
               <a:t>ruft laut in die Klasse:</a:t>
             </a:r>
           </a:p>
           <a:p>
             <a:r>
-              <a:rPr lang="de-DE" sz="4400" dirty="0"/>
+              <a:rPr lang="de-DE" sz="4800" dirty="0"/>
               <a:t>„Ich muss mal!“</a:t>
             </a:r>
           </a:p>
@@ -4513,8 +4513,8 @@
         </p:nvSpPr>
         <p:spPr>
           <a:xfrm>
-            <a:off x="522275" y="2472008"/>
-            <a:ext cx="3509355" cy="2800767"/>
+            <a:off x="522275" y="2010343"/>
+            <a:ext cx="3509355" cy="3046988"/>
           </a:xfrm>
           <a:prstGeom prst="rect">
             <a:avLst/>
@@ -4528,7 +4528,7 @@
           <a:lstStyle/>
           <a:p>
             <a:r>
-              <a:rPr lang="de-DE" sz="4400" dirty="0"/>
+              <a:rPr lang="de-DE" sz="4800" dirty="0"/>
               <a:t>klickert nervös mit dem Kugel-schreiben</a:t>
             </a:r>
           </a:p>
@@ -4549,7 +4549,7 @@
         <p:spPr>
           <a:xfrm>
             <a:off x="4585772" y="2472008"/>
-            <a:ext cx="3355781" cy="2123658"/>
+            <a:ext cx="3355781" cy="2308324"/>
           </a:xfrm>
           <a:prstGeom prst="rect">
             <a:avLst/>
@@ -4563,7 +4563,7 @@
           <a:lstStyle/>
           <a:p>
             <a:r>
-              <a:rPr lang="de-DE" sz="4400" dirty="0"/>
+              <a:rPr lang="de-DE" sz="4800" dirty="0"/>
               <a:t>kritzelt auf Arbeitsblatt herum </a:t>
             </a:r>
           </a:p>
@@ -4600,7 +4600,7 @@
                             </p:stCondLst>
                             <p:childTnLst>
                               <p:par>
-                                <p:cTn id="5" presetID="2" presetClass="entr" presetSubtype="4" fill="hold" grpId="0" nodeType="clickEffect">
+                                <p:cTn id="5" presetID="1" presetClass="entr" presetSubtype="0" fill="hold" grpId="0" nodeType="clickEffect">
                                   <p:stCondLst>
                                     <p:cond delay="0"/>
                                   </p:stCondLst>
@@ -4608,6 +4608,96 @@
                                     <p:set>
                                       <p:cBhvr>
                                         <p:cTn id="6" dur="1" fill="hold">
+                                          <p:stCondLst>
+                                            <p:cond delay="0"/>
+                                          </p:stCondLst>
+                                        </p:cTn>
+                                        <p:tgtEl>
+                                          <p:spTgt spid="11"/>
+                                        </p:tgtEl>
+                                        <p:attrNameLst>
+                                          <p:attrName>style.visibility</p:attrName>
+                                        </p:attrNameLst>
+                                      </p:cBhvr>
+                                      <p:to>
+                                        <p:strVal val="visible"/>
+                                      </p:to>
+                                    </p:set>
+                                  </p:childTnLst>
+                                </p:cTn>
+                              </p:par>
+                            </p:childTnLst>
+                          </p:cTn>
+                        </p:par>
+                      </p:childTnLst>
+                    </p:cTn>
+                  </p:par>
+                  <p:par>
+                    <p:cTn id="7" fill="hold">
+                      <p:stCondLst>
+                        <p:cond delay="indefinite"/>
+                      </p:stCondLst>
+                      <p:childTnLst>
+                        <p:par>
+                          <p:cTn id="8" fill="hold">
+                            <p:stCondLst>
+                              <p:cond delay="0"/>
+                            </p:stCondLst>
+                            <p:childTnLst>
+                              <p:par>
+                                <p:cTn id="9" presetID="1" presetClass="entr" presetSubtype="0" fill="hold" grpId="0" nodeType="clickEffect">
+                                  <p:stCondLst>
+                                    <p:cond delay="0"/>
+                                  </p:stCondLst>
+                                  <p:childTnLst>
+                                    <p:set>
+                                      <p:cBhvr>
+                                        <p:cTn id="10" dur="1" fill="hold">
+                                          <p:stCondLst>
+                                            <p:cond delay="0"/>
+                                          </p:stCondLst>
+                                        </p:cTn>
+                                        <p:tgtEl>
+                                          <p:spTgt spid="14"/>
+                                        </p:tgtEl>
+                                        <p:attrNameLst>
+                                          <p:attrName>style.visibility</p:attrName>
+                                        </p:attrNameLst>
+                                      </p:cBhvr>
+                                      <p:to>
+                                        <p:strVal val="visible"/>
+                                      </p:to>
+                                    </p:set>
+                                  </p:childTnLst>
+                                </p:cTn>
+                              </p:par>
+                            </p:childTnLst>
+                          </p:cTn>
+                        </p:par>
+                      </p:childTnLst>
+                    </p:cTn>
+                  </p:par>
+                  <p:par>
+                    <p:cTn id="11" fill="hold">
+                      <p:stCondLst>
+                        <p:cond delay="indefinite"/>
+                      </p:stCondLst>
+                      <p:childTnLst>
+                        <p:par>
+                          <p:cTn id="12" fill="hold">
+                            <p:stCondLst>
+                              <p:cond delay="0"/>
+                            </p:stCondLst>
+                            <p:childTnLst>
+                              <p:par>
+                                <p:cTn id="13" presetID="1" presetClass="entr" presetSubtype="0" fill="hold" grpId="0" nodeType="clickEffect">
+                                  <p:stCondLst>
+                                    <p:cond delay="0"/>
+                                  </p:stCondLst>
+                                  <p:childTnLst>
+                                    <p:set>
+                                      <p:cBhvr>
+                                        <p:cTn id="14" dur="1" fill="hold">
                                           <p:stCondLst>
                                             <p:cond delay="0"/>
                                           </p:stCondLst>
@@ -4623,234 +4713,6 @@
                                         <p:strVal val="visible"/>
                                       </p:to>
                                     </p:set>
-                                    <p:anim calcmode="lin" valueType="num">
-                                      <p:cBhvr additive="base">
-                                        <p:cTn id="7" dur="250" fill="hold"/>
-                                        <p:tgtEl>
-                                          <p:spTgt spid="8"/>
-                                        </p:tgtEl>
-                                        <p:attrNameLst>
-                                          <p:attrName>ppt_x</p:attrName>
-                                        </p:attrNameLst>
-                                      </p:cBhvr>
-                                      <p:tavLst>
-                                        <p:tav tm="0">
-                                          <p:val>
-                                            <p:strVal val="#ppt_x"/>
-                                          </p:val>
-                                        </p:tav>
-                                        <p:tav tm="100000">
-                                          <p:val>
-                                            <p:strVal val="#ppt_x"/>
-                                          </p:val>
-                                        </p:tav>
-                                      </p:tavLst>
-                                    </p:anim>
-                                    <p:anim calcmode="lin" valueType="num">
-                                      <p:cBhvr additive="base">
-                                        <p:cTn id="8" dur="250" fill="hold"/>
-                                        <p:tgtEl>
-                                          <p:spTgt spid="8"/>
-                                        </p:tgtEl>
-                                        <p:attrNameLst>
-                                          <p:attrName>ppt_y</p:attrName>
-                                        </p:attrNameLst>
-                                      </p:cBhvr>
-                                      <p:tavLst>
-                                        <p:tav tm="0">
-                                          <p:val>
-                                            <p:strVal val="1+#ppt_h/2"/>
-                                          </p:val>
-                                        </p:tav>
-                                        <p:tav tm="100000">
-                                          <p:val>
-                                            <p:strVal val="#ppt_y"/>
-                                          </p:val>
-                                        </p:tav>
-                                      </p:tavLst>
-                                    </p:anim>
-                                  </p:childTnLst>
-                                </p:cTn>
-                              </p:par>
-                            </p:childTnLst>
-                          </p:cTn>
-                        </p:par>
-                      </p:childTnLst>
-                    </p:cTn>
-                  </p:par>
-                  <p:par>
-                    <p:cTn id="9" fill="hold">
-                      <p:stCondLst>
-                        <p:cond delay="indefinite"/>
-                      </p:stCondLst>
-                      <p:childTnLst>
-                        <p:par>
-                          <p:cTn id="10" fill="hold">
-                            <p:stCondLst>
-                              <p:cond delay="0"/>
-                            </p:stCondLst>
-                            <p:childTnLst>
-                              <p:par>
-                                <p:cTn id="11" presetID="2" presetClass="entr" presetSubtype="4" fill="hold" grpId="0" nodeType="clickEffect">
-                                  <p:stCondLst>
-                                    <p:cond delay="0"/>
-                                  </p:stCondLst>
-                                  <p:childTnLst>
-                                    <p:set>
-                                      <p:cBhvr>
-                                        <p:cTn id="12" dur="1" fill="hold">
-                                          <p:stCondLst>
-                                            <p:cond delay="0"/>
-                                          </p:stCondLst>
-                                        </p:cTn>
-                                        <p:tgtEl>
-                                          <p:spTgt spid="11"/>
-                                        </p:tgtEl>
-                                        <p:attrNameLst>
-                                          <p:attrName>style.visibility</p:attrName>
-                                        </p:attrNameLst>
-                                      </p:cBhvr>
-                                      <p:to>
-                                        <p:strVal val="visible"/>
-                                      </p:to>
-                                    </p:set>
-                                    <p:anim calcmode="lin" valueType="num">
-                                      <p:cBhvr additive="base">
-                                        <p:cTn id="13" dur="250" fill="hold"/>
-                                        <p:tgtEl>
-                                          <p:spTgt spid="11"/>
-                                        </p:tgtEl>
-                                        <p:attrNameLst>
-                                          <p:attrName>ppt_x</p:attrName>
-                                        </p:attrNameLst>
-                                      </p:cBhvr>
-                                      <p:tavLst>
-                                        <p:tav tm="0">
-                                          <p:val>
-                                            <p:strVal val="#ppt_x"/>
-                                          </p:val>
-                                        </p:tav>
-                                        <p:tav tm="100000">
-                                          <p:val>
-                                            <p:strVal val="#ppt_x"/>
-                                          </p:val>
-                                        </p:tav>
-                                      </p:tavLst>
-                                    </p:anim>
-                                    <p:anim calcmode="lin" valueType="num">
-                                      <p:cBhvr additive="base">
-                                        <p:cTn id="14" dur="250" fill="hold"/>
-                                        <p:tgtEl>
-                                          <p:spTgt spid="11"/>
-                                        </p:tgtEl>
-                                        <p:attrNameLst>
-                                          <p:attrName>ppt_y</p:attrName>
-                                        </p:attrNameLst>
-                                      </p:cBhvr>
-                                      <p:tavLst>
-                                        <p:tav tm="0">
-                                          <p:val>
-                                            <p:strVal val="1+#ppt_h/2"/>
-                                          </p:val>
-                                        </p:tav>
-                                        <p:tav tm="100000">
-                                          <p:val>
-                                            <p:strVal val="#ppt_y"/>
-                                          </p:val>
-                                        </p:tav>
-                                      </p:tavLst>
-                                    </p:anim>
-                                  </p:childTnLst>
-                                </p:cTn>
-                              </p:par>
-                            </p:childTnLst>
-                          </p:cTn>
-                        </p:par>
-                      </p:childTnLst>
-                    </p:cTn>
-                  </p:par>
-                  <p:par>
-                    <p:cTn id="15" fill="hold">
-                      <p:stCondLst>
-                        <p:cond delay="indefinite"/>
-                      </p:stCondLst>
-                      <p:childTnLst>
-                        <p:par>
-                          <p:cTn id="16" fill="hold">
-                            <p:stCondLst>
-                              <p:cond delay="0"/>
-                            </p:stCondLst>
-                            <p:childTnLst>
-                              <p:par>
-                                <p:cTn id="17" presetID="2" presetClass="entr" presetSubtype="4" fill="hold" grpId="0" nodeType="clickEffect">
-                                  <p:stCondLst>
-                                    <p:cond delay="0"/>
-                                  </p:stCondLst>
-                                  <p:childTnLst>
-                                    <p:set>
-                                      <p:cBhvr>
-                                        <p:cTn id="18" dur="1" fill="hold">
-                                          <p:stCondLst>
-                                            <p:cond delay="0"/>
-                                          </p:stCondLst>
-                                        </p:cTn>
-                                        <p:tgtEl>
-                                          <p:spTgt spid="14"/>
-                                        </p:tgtEl>
-                                        <p:attrNameLst>
-                                          <p:attrName>style.visibility</p:attrName>
-                                        </p:attrNameLst>
-                                      </p:cBhvr>
-                                      <p:to>
-                                        <p:strVal val="visible"/>
-                                      </p:to>
-                                    </p:set>
-                                    <p:anim calcmode="lin" valueType="num">
-                                      <p:cBhvr additive="base">
-                                        <p:cTn id="19" dur="250" fill="hold"/>
-                                        <p:tgtEl>
-                                          <p:spTgt spid="14"/>
-                                        </p:tgtEl>
-                                        <p:attrNameLst>
-                                          <p:attrName>ppt_x</p:attrName>
-                                        </p:attrNameLst>
-                                      </p:cBhvr>
-                                      <p:tavLst>
-                                        <p:tav tm="0">
-                                          <p:val>
-                                            <p:strVal val="#ppt_x"/>
-                                          </p:val>
-                                        </p:tav>
-                                        <p:tav tm="100000">
-                                          <p:val>
-                                            <p:strVal val="#ppt_x"/>
-                                          </p:val>
-                                        </p:tav>
-                                      </p:tavLst>
-                                    </p:anim>
-                                    <p:anim calcmode="lin" valueType="num">
-                                      <p:cBhvr additive="base">
-                                        <p:cTn id="20" dur="250" fill="hold"/>
-                                        <p:tgtEl>
-                                          <p:spTgt spid="14"/>
-                                        </p:tgtEl>
-                                        <p:attrNameLst>
-                                          <p:attrName>ppt_y</p:attrName>
-                                        </p:attrNameLst>
-                                      </p:cBhvr>
-                                      <p:tavLst>
-                                        <p:tav tm="0">
-                                          <p:val>
-                                            <p:strVal val="1+#ppt_h/2"/>
-                                          </p:val>
-                                        </p:tav>
-                                        <p:tav tm="100000">
-                                          <p:val>
-                                            <p:strVal val="#ppt_y"/>
-                                          </p:val>
-                                        </p:tav>
-                                      </p:tavLst>
-                                    </p:anim>
                                   </p:childTnLst>
                                 </p:cTn>
                               </p:par>
@@ -5068,7 +4930,7 @@
         <p:spPr>
           <a:xfrm>
             <a:off x="584275" y="2713112"/>
-            <a:ext cx="3372932" cy="3077766"/>
+            <a:ext cx="3372932" cy="3323987"/>
           </a:xfrm>
           <a:prstGeom prst="rect">
             <a:avLst/>
@@ -5082,7 +4944,7 @@
           <a:lstStyle/>
           <a:p>
             <a:r>
-              <a:rPr lang="de-DE" sz="4400" dirty="0"/>
+              <a:rPr lang="de-DE" sz="4800" dirty="0"/>
               <a:t>meldet sich schnipsend und stellt eine Frage</a:t>
             </a:r>
           </a:p>
@@ -5141,7 +5003,7 @@
         <p:spPr>
           <a:xfrm>
             <a:off x="4486845" y="2574284"/>
-            <a:ext cx="3559532" cy="2400657"/>
+            <a:ext cx="3559532" cy="2585323"/>
           </a:xfrm>
           <a:prstGeom prst="rect">
             <a:avLst/>
@@ -5155,7 +5017,7 @@
           <a:lstStyle/>
           <a:p>
             <a:r>
-              <a:rPr lang="de-DE" sz="4400" dirty="0"/>
+              <a:rPr lang="de-DE" sz="4800" dirty="0"/>
               <a:t>trommelt mit Händen auf dem Tisch</a:t>
             </a:r>
           </a:p>
@@ -5178,8 +5040,8 @@
         </p:nvSpPr>
         <p:spPr>
           <a:xfrm>
-            <a:off x="8470457" y="2698282"/>
-            <a:ext cx="3478490" cy="2123658"/>
+            <a:off x="8329055" y="2851283"/>
+            <a:ext cx="3478490" cy="2308324"/>
           </a:xfrm>
           <a:prstGeom prst="rect">
             <a:avLst/>
@@ -5193,7 +5055,7 @@
           <a:lstStyle/>
           <a:p>
             <a:r>
-              <a:rPr lang="de-DE" sz="4400" dirty="0"/>
+              <a:rPr lang="de-DE" sz="4800" dirty="0"/>
               <a:t>holt Handy heraus und schaut drauf</a:t>
             </a:r>
           </a:p>
@@ -5399,6 +5261,51 @@
                       </p:childTnLst>
                     </p:cTn>
                   </p:par>
+                  <p:par>
+                    <p:cTn id="15" fill="hold">
+                      <p:stCondLst>
+                        <p:cond delay="indefinite"/>
+                      </p:stCondLst>
+                      <p:childTnLst>
+                        <p:par>
+                          <p:cTn id="16" fill="hold">
+                            <p:stCondLst>
+                              <p:cond delay="0"/>
+                            </p:stCondLst>
+                            <p:childTnLst>
+                              <p:par>
+                                <p:cTn id="17" presetID="1" presetClass="entr" presetSubtype="0" fill="hold" grpId="0" nodeType="clickEffect">
+                                  <p:stCondLst>
+                                    <p:cond delay="0"/>
+                                  </p:stCondLst>
+                                  <p:childTnLst>
+                                    <p:set>
+                                      <p:cBhvr>
+                                        <p:cTn id="18" dur="1" fill="hold">
+                                          <p:stCondLst>
+                                            <p:cond delay="0"/>
+                                          </p:stCondLst>
+                                        </p:cTn>
+                                        <p:tgtEl>
+                                          <p:spTgt spid="14"/>
+                                        </p:tgtEl>
+                                        <p:attrNameLst>
+                                          <p:attrName>style.visibility</p:attrName>
+                                        </p:attrNameLst>
+                                      </p:cBhvr>
+                                      <p:to>
+                                        <p:strVal val="visible"/>
+                                      </p:to>
+                                    </p:set>
+                                  </p:childTnLst>
+                                </p:cTn>
+                              </p:par>
+                            </p:childTnLst>
+                          </p:cTn>
+                        </p:par>
+                      </p:childTnLst>
+                    </p:cTn>
+                  </p:par>
                 </p:childTnLst>
               </p:cTn>
               <p:prevCondLst>
@@ -5423,6 +5330,7 @@
     <p:bldLst>
       <p:bldP spid="10" grpId="0"/>
       <p:bldP spid="11" grpId="0"/>
+      <p:bldP spid="14" grpId="0"/>
     </p:bldLst>
   </p:timing>
 </p:sld>
@@ -5606,7 +5514,7 @@
         <p:spPr>
           <a:xfrm>
             <a:off x="4418108" y="2554896"/>
-            <a:ext cx="3355781" cy="1446550"/>
+            <a:ext cx="3355781" cy="1569660"/>
           </a:xfrm>
           <a:prstGeom prst="rect">
             <a:avLst/>
@@ -5620,7 +5528,7 @@
           <a:lstStyle/>
           <a:p>
             <a:r>
-              <a:rPr lang="de-DE" sz="4400" dirty="0"/>
+              <a:rPr lang="de-DE" sz="4800" dirty="0"/>
               <a:t>schwatzt mit Nachbar*in</a:t>
             </a:r>
           </a:p>
@@ -5676,7 +5584,7 @@
         <p:spPr>
           <a:xfrm>
             <a:off x="8312795" y="2502816"/>
-            <a:ext cx="3478490" cy="2123658"/>
+            <a:ext cx="3478490" cy="3046988"/>
           </a:xfrm>
           <a:prstGeom prst="rect">
             <a:avLst/>
@@ -5690,7 +5598,7 @@
           <a:lstStyle/>
           <a:p>
             <a:r>
-              <a:rPr lang="de-DE" sz="4400" dirty="0"/>
+              <a:rPr lang="de-DE" sz="4800" dirty="0"/>
               <a:t>steht in der Klasse auf und geht herum</a:t>
             </a:r>
           </a:p>
@@ -5711,7 +5619,7 @@
         <p:spPr>
           <a:xfrm>
             <a:off x="652690" y="2554896"/>
-            <a:ext cx="3355781" cy="2123658"/>
+            <a:ext cx="3355781" cy="2308324"/>
           </a:xfrm>
           <a:prstGeom prst="rect">
             <a:avLst/>
@@ -5725,7 +5633,7 @@
           <a:lstStyle/>
           <a:p>
             <a:r>
-              <a:rPr lang="de-DE" sz="4400" dirty="0"/>
+              <a:rPr lang="de-DE" sz="4800" dirty="0"/>
               <a:t>legt Kopf auf Bank und schläft</a:t>
             </a:r>
           </a:p>
@@ -5762,7 +5670,7 @@
                             </p:stCondLst>
                             <p:childTnLst>
                               <p:par>
-                                <p:cTn id="5" presetID="2" presetClass="entr" presetSubtype="4" fill="hold" grpId="0" nodeType="clickEffect">
+                                <p:cTn id="5" presetID="1" presetClass="entr" presetSubtype="0" fill="hold" grpId="0" nodeType="clickEffect">
                                   <p:stCondLst>
                                     <p:cond delay="0"/>
                                   </p:stCondLst>
@@ -5770,6 +5678,51 @@
                                     <p:set>
                                       <p:cBhvr>
                                         <p:cTn id="6" dur="1" fill="hold">
+                                          <p:stCondLst>
+                                            <p:cond delay="0"/>
+                                          </p:stCondLst>
+                                        </p:cTn>
+                                        <p:tgtEl>
+                                          <p:spTgt spid="8"/>
+                                        </p:tgtEl>
+                                        <p:attrNameLst>
+                                          <p:attrName>style.visibility</p:attrName>
+                                        </p:attrNameLst>
+                                      </p:cBhvr>
+                                      <p:to>
+                                        <p:strVal val="visible"/>
+                                      </p:to>
+                                    </p:set>
+                                  </p:childTnLst>
+                                </p:cTn>
+                              </p:par>
+                            </p:childTnLst>
+                          </p:cTn>
+                        </p:par>
+                      </p:childTnLst>
+                    </p:cTn>
+                  </p:par>
+                  <p:par>
+                    <p:cTn id="7" fill="hold">
+                      <p:stCondLst>
+                        <p:cond delay="indefinite"/>
+                      </p:stCondLst>
+                      <p:childTnLst>
+                        <p:par>
+                          <p:cTn id="8" fill="hold">
+                            <p:stCondLst>
+                              <p:cond delay="0"/>
+                            </p:stCondLst>
+                            <p:childTnLst>
+                              <p:par>
+                                <p:cTn id="9" presetID="1" presetClass="entr" presetSubtype="0" fill="hold" grpId="0" nodeType="clickEffect">
+                                  <p:stCondLst>
+                                    <p:cond delay="0"/>
+                                  </p:stCondLst>
+                                  <p:childTnLst>
+                                    <p:set>
+                                      <p:cBhvr>
+                                        <p:cTn id="10" dur="1" fill="hold">
                                           <p:stCondLst>
                                             <p:cond delay="0"/>
                                           </p:stCondLst>
@@ -5785,52 +5738,6 @@
                                         <p:strVal val="visible"/>
                                       </p:to>
                                     </p:set>
-                                    <p:anim calcmode="lin" valueType="num">
-                                      <p:cBhvr additive="base">
-                                        <p:cTn id="7" dur="250" fill="hold"/>
-                                        <p:tgtEl>
-                                          <p:spTgt spid="12"/>
-                                        </p:tgtEl>
-                                        <p:attrNameLst>
-                                          <p:attrName>ppt_x</p:attrName>
-                                        </p:attrNameLst>
-                                      </p:cBhvr>
-                                      <p:tavLst>
-                                        <p:tav tm="0">
-                                          <p:val>
-                                            <p:strVal val="#ppt_x"/>
-                                          </p:val>
-                                        </p:tav>
-                                        <p:tav tm="100000">
-                                          <p:val>
-                                            <p:strVal val="#ppt_x"/>
-                                          </p:val>
-                                        </p:tav>
-                                      </p:tavLst>
-                                    </p:anim>
-                                    <p:anim calcmode="lin" valueType="num">
-                                      <p:cBhvr additive="base">
-                                        <p:cTn id="8" dur="250" fill="hold"/>
-                                        <p:tgtEl>
-                                          <p:spTgt spid="12"/>
-                                        </p:tgtEl>
-                                        <p:attrNameLst>
-                                          <p:attrName>ppt_y</p:attrName>
-                                        </p:attrNameLst>
-                                      </p:cBhvr>
-                                      <p:tavLst>
-                                        <p:tav tm="0">
-                                          <p:val>
-                                            <p:strVal val="1+#ppt_h/2"/>
-                                          </p:val>
-                                        </p:tav>
-                                        <p:tav tm="100000">
-                                          <p:val>
-                                            <p:strVal val="#ppt_y"/>
-                                          </p:val>
-                                        </p:tav>
-                                      </p:tavLst>
-                                    </p:anim>
                                   </p:childTnLst>
                                 </p:cTn>
                               </p:par>
@@ -5841,32 +5748,32 @@
                     </p:cTn>
                   </p:par>
                   <p:par>
-                    <p:cTn id="9" fill="hold">
+                    <p:cTn id="11" fill="hold">
                       <p:stCondLst>
                         <p:cond delay="indefinite"/>
                       </p:stCondLst>
                       <p:childTnLst>
                         <p:par>
-                          <p:cTn id="10" fill="hold">
+                          <p:cTn id="12" fill="hold">
                             <p:stCondLst>
                               <p:cond delay="0"/>
                             </p:stCondLst>
                             <p:childTnLst>
                               <p:par>
-                                <p:cTn id="11" presetID="2" presetClass="entr" presetSubtype="4" fill="hold" grpId="0" nodeType="clickEffect">
+                                <p:cTn id="13" presetID="1" presetClass="entr" presetSubtype="0" fill="hold" grpId="0" nodeType="clickEffect">
                                   <p:stCondLst>
                                     <p:cond delay="0"/>
                                   </p:stCondLst>
                                   <p:childTnLst>
                                     <p:set>
                                       <p:cBhvr>
-                                        <p:cTn id="12" dur="1" fill="hold">
+                                        <p:cTn id="14" dur="1" fill="hold">
                                           <p:stCondLst>
                                             <p:cond delay="0"/>
                                           </p:stCondLst>
                                         </p:cTn>
                                         <p:tgtEl>
-                                          <p:spTgt spid="8"/>
+                                          <p:spTgt spid="7"/>
                                         </p:tgtEl>
                                         <p:attrNameLst>
                                           <p:attrName>style.visibility</p:attrName>
@@ -5876,52 +5783,6 @@
                                         <p:strVal val="visible"/>
                                       </p:to>
                                     </p:set>
-                                    <p:anim calcmode="lin" valueType="num">
-                                      <p:cBhvr additive="base">
-                                        <p:cTn id="13" dur="250" fill="hold"/>
-                                        <p:tgtEl>
-                                          <p:spTgt spid="8"/>
-                                        </p:tgtEl>
-                                        <p:attrNameLst>
-                                          <p:attrName>ppt_x</p:attrName>
-                                        </p:attrNameLst>
-                                      </p:cBhvr>
-                                      <p:tavLst>
-                                        <p:tav tm="0">
-                                          <p:val>
-                                            <p:strVal val="#ppt_x"/>
-                                          </p:val>
-                                        </p:tav>
-                                        <p:tav tm="100000">
-                                          <p:val>
-                                            <p:strVal val="#ppt_x"/>
-                                          </p:val>
-                                        </p:tav>
-                                      </p:tavLst>
-                                    </p:anim>
-                                    <p:anim calcmode="lin" valueType="num">
-                                      <p:cBhvr additive="base">
-                                        <p:cTn id="14" dur="250" fill="hold"/>
-                                        <p:tgtEl>
-                                          <p:spTgt spid="8"/>
-                                        </p:tgtEl>
-                                        <p:attrNameLst>
-                                          <p:attrName>ppt_y</p:attrName>
-                                        </p:attrNameLst>
-                                      </p:cBhvr>
-                                      <p:tavLst>
-                                        <p:tav tm="0">
-                                          <p:val>
-                                            <p:strVal val="1+#ppt_h/2"/>
-                                          </p:val>
-                                        </p:tav>
-                                        <p:tav tm="100000">
-                                          <p:val>
-                                            <p:strVal val="#ppt_y"/>
-                                          </p:val>
-                                        </p:tav>
-                                      </p:tavLst>
-                                    </p:anim>
                                   </p:childTnLst>
                                 </p:cTn>
                               </p:par>
@@ -5954,6 +5815,7 @@
     </p:tnLst>
     <p:bldLst>
       <p:bldP spid="12" grpId="0"/>
+      <p:bldP spid="7" grpId="0"/>
       <p:bldP spid="8" grpId="0"/>
     </p:bldLst>
   </p:timing>

--- a/studies/labor study_A/script_labpilotpersonB.pptx
+++ b/studies/labor study_A/script_labpilotpersonB.pptx
@@ -10,8 +10,8 @@
     <p:sldId id="276" r:id="rId4"/>
     <p:sldId id="277" r:id="rId5"/>
     <p:sldId id="273" r:id="rId6"/>
-    <p:sldId id="307" r:id="rId7"/>
-    <p:sldId id="308" r:id="rId8"/>
+    <p:sldId id="309" r:id="rId7"/>
+    <p:sldId id="310" r:id="rId8"/>
     <p:sldId id="305" r:id="rId9"/>
     <p:sldId id="301" r:id="rId10"/>
     <p:sldId id="303" r:id="rId11"/>
@@ -348,7 +348,7 @@
             <a:fld id="{87DE6118-2437-4B30-8E3C-4D2BE6020583}" type="datetimeFigureOut">
               <a:rPr lang="en-US" smtClean="0"/>
               <a:pPr/>
-              <a:t>7/28/2020</a:t>
+              <a:t>8/3/2020</a:t>
             </a:fld>
             <a:endParaRPr lang="en-US" dirty="0"/>
           </a:p>
@@ -557,7 +557,7 @@
           <a:p>
             <a:fld id="{87DE6118-2437-4B30-8E3C-4D2BE6020583}" type="datetimeFigureOut">
               <a:rPr lang="en-US" smtClean="0"/>
-              <a:t>7/28/2020</a:t>
+              <a:t>8/3/2020</a:t>
             </a:fld>
             <a:endParaRPr lang="en-US" dirty="0"/>
           </a:p>
@@ -813,7 +813,7 @@
           <a:p>
             <a:fld id="{87DE6118-2437-4B30-8E3C-4D2BE6020583}" type="datetimeFigureOut">
               <a:rPr lang="en-US" smtClean="0"/>
-              <a:t>7/28/2020</a:t>
+              <a:t>8/3/2020</a:t>
             </a:fld>
             <a:endParaRPr lang="en-US" dirty="0"/>
           </a:p>
@@ -987,7 +987,7 @@
           <a:p>
             <a:fld id="{87DE6118-2437-4B30-8E3C-4D2BE6020583}" type="datetimeFigureOut">
               <a:rPr lang="en-US" smtClean="0"/>
-              <a:t>7/28/2020</a:t>
+              <a:t>8/3/2020</a:t>
             </a:fld>
             <a:endParaRPr lang="en-US" dirty="0"/>
           </a:p>
@@ -1331,7 +1331,7 @@
             <a:fld id="{87DE6118-2437-4B30-8E3C-4D2BE6020583}" type="datetimeFigureOut">
               <a:rPr lang="en-US" smtClean="0"/>
               <a:pPr/>
-              <a:t>7/28/2020</a:t>
+              <a:t>8/3/2020</a:t>
             </a:fld>
             <a:endParaRPr lang="en-US" dirty="0"/>
           </a:p>
@@ -1607,7 +1607,7 @@
           <a:p>
             <a:fld id="{87DE6118-2437-4B30-8E3C-4D2BE6020583}" type="datetimeFigureOut">
               <a:rPr lang="en-US" smtClean="0"/>
-              <a:t>7/28/2020</a:t>
+              <a:t>8/3/2020</a:t>
             </a:fld>
             <a:endParaRPr lang="en-US" dirty="0"/>
           </a:p>
@@ -1986,7 +1986,7 @@
           <a:p>
             <a:fld id="{87DE6118-2437-4B30-8E3C-4D2BE6020583}" type="datetimeFigureOut">
               <a:rPr lang="en-US" smtClean="0"/>
-              <a:t>7/28/2020</a:t>
+              <a:t>8/3/2020</a:t>
             </a:fld>
             <a:endParaRPr lang="en-US" dirty="0"/>
           </a:p>
@@ -2104,7 +2104,7 @@
           <a:p>
             <a:fld id="{87DE6118-2437-4B30-8E3C-4D2BE6020583}" type="datetimeFigureOut">
               <a:rPr lang="en-US" smtClean="0"/>
-              <a:t>7/28/2020</a:t>
+              <a:t>8/3/2020</a:t>
             </a:fld>
             <a:endParaRPr lang="en-US" dirty="0"/>
           </a:p>
@@ -2275,7 +2275,7 @@
           <a:p>
             <a:fld id="{87DE6118-2437-4B30-8E3C-4D2BE6020583}" type="datetimeFigureOut">
               <a:rPr lang="en-US" smtClean="0"/>
-              <a:t>7/28/2020</a:t>
+              <a:t>8/3/2020</a:t>
             </a:fld>
             <a:endParaRPr lang="en-US" dirty="0"/>
           </a:p>
@@ -2630,7 +2630,7 @@
             <a:fld id="{87DE6118-2437-4B30-8E3C-4D2BE6020583}" type="datetimeFigureOut">
               <a:rPr lang="en-US" smtClean="0"/>
               <a:pPr/>
-              <a:t>7/28/2020</a:t>
+              <a:t>8/3/2020</a:t>
             </a:fld>
             <a:endParaRPr lang="en-US" dirty="0"/>
           </a:p>
@@ -3014,7 +3014,7 @@
             <a:fld id="{87DE6118-2437-4B30-8E3C-4D2BE6020583}" type="datetimeFigureOut">
               <a:rPr lang="en-US" smtClean="0"/>
               <a:pPr/>
-              <a:t>7/28/2020</a:t>
+              <a:t>8/3/2020</a:t>
             </a:fld>
             <a:endParaRPr lang="en-US" dirty="0"/>
           </a:p>
@@ -3303,7 +3303,7 @@
             <a:fld id="{87DE6118-2437-4B30-8E3C-4D2BE6020583}" type="datetimeFigureOut">
               <a:rPr lang="en-US" smtClean="0"/>
               <a:pPr/>
-              <a:t>7/28/2020</a:t>
+              <a:t>8/3/2020</a:t>
             </a:fld>
             <a:endParaRPr lang="en-US" dirty="0"/>
           </a:p>
@@ -3856,7 +3856,7 @@
           <a:p>
             <a:r>
               <a:rPr lang="de-DE" dirty="0"/>
-              <a:t>Lehrperson B	</a:t>
+              <a:t>Lehrperson B</a:t>
             </a:r>
           </a:p>
         </p:txBody>
@@ -3883,7 +3883,7 @@
           <a:lstStyle/>
           <a:p>
             <a:r>
-              <a:rPr lang="de-DE">
+              <a:rPr lang="de-DE" dirty="0">
                 <a:ln w="0"/>
                 <a:solidFill>
                   <a:schemeClr val="accent1"/>
@@ -3898,19 +3898,6 @@
               </a:rPr>
               <a:t>Pilot A	</a:t>
             </a:r>
-            <a:endParaRPr lang="de-DE" dirty="0">
-              <a:ln w="0"/>
-              <a:solidFill>
-                <a:schemeClr val="accent1"/>
-              </a:solidFill>
-              <a:effectLst>
-                <a:outerShdw blurRad="38100" dist="25400" dir="5400000" algn="ctr" rotWithShape="0">
-                  <a:srgbClr val="6E747A">
-                    <a:alpha val="43000"/>
-                  </a:srgbClr>
-                </a:outerShdw>
-              </a:effectLst>
-            </a:endParaRPr>
           </a:p>
         </p:txBody>
       </p:sp>
@@ -4232,8 +4219,8 @@
         </p:nvSpPr>
         <p:spPr>
           <a:xfrm>
-            <a:off x="1686785" y="1154202"/>
-            <a:ext cx="8361229" cy="3188848"/>
+            <a:off x="1206018" y="1173056"/>
+            <a:ext cx="9314295" cy="3188848"/>
           </a:xfrm>
         </p:spPr>
         <p:txBody>
@@ -4242,7 +4229,7 @@
           <a:p>
             <a:r>
               <a:rPr lang="de-DE" dirty="0"/>
-              <a:t>Unterrichts-störungen</a:t>
+              <a:t>Unterrichtsstörungen</a:t>
             </a:r>
           </a:p>
         </p:txBody>
@@ -4292,14 +4279,14 @@
           <p:nvPr>
             <p:extLst>
               <p:ext uri="{D42A27DB-BD31-4B8C-83A1-F6EECF244321}">
-                <p14:modId xmlns:p14="http://schemas.microsoft.com/office/powerpoint/2010/main" val="2829847091"/>
+                <p14:modId xmlns:p14="http://schemas.microsoft.com/office/powerpoint/2010/main" val="1381965407"/>
               </p:ext>
             </p:extLst>
           </p:nvPr>
         </p:nvGraphicFramePr>
         <p:xfrm>
-          <a:off x="243052" y="433634"/>
-          <a:ext cx="11705895" cy="4981624"/>
+          <a:off x="245097" y="187941"/>
+          <a:ext cx="11703849" cy="5695830"/>
         </p:xfrm>
         <a:graphic>
           <a:graphicData uri="http://schemas.openxmlformats.org/drawingml/2006/table">
@@ -4308,21 +4295,21 @@
                 <a:tableStyleId>{5C22544A-7EE6-4342-B048-85BDC9FD1C3A}</a:tableStyleId>
               </a:tblPr>
               <a:tblGrid>
-                <a:gridCol w="3901965">
+                <a:gridCol w="3901283">
                   <a:extLst>
                     <a:ext uri="{9D8B030D-6E8A-4147-A177-3AD203B41FA5}">
                       <a16:colId xmlns:a16="http://schemas.microsoft.com/office/drawing/2014/main" val="2418642178"/>
                     </a:ext>
                   </a:extLst>
                 </a:gridCol>
-                <a:gridCol w="3901965">
+                <a:gridCol w="3901283">
                   <a:extLst>
                     <a:ext uri="{9D8B030D-6E8A-4147-A177-3AD203B41FA5}">
                       <a16:colId xmlns:a16="http://schemas.microsoft.com/office/drawing/2014/main" val="576198228"/>
                     </a:ext>
                   </a:extLst>
                 </a:gridCol>
-                <a:gridCol w="3901965">
+                <a:gridCol w="3901283">
                   <a:extLst>
                     <a:ext uri="{9D8B030D-6E8A-4147-A177-3AD203B41FA5}">
                       <a16:colId xmlns:a16="http://schemas.microsoft.com/office/drawing/2014/main" val="924655872"/>
@@ -4330,7 +4317,7 @@
                   </a:extLst>
                 </a:gridCol>
               </a:tblGrid>
-              <a:tr h="1178350">
+              <a:tr h="1540313">
                 <a:tc>
                   <a:txBody>
                     <a:bodyPr/>
@@ -4338,7 +4325,7 @@
                     <a:p>
                       <a:pPr algn="ctr"/>
                       <a:r>
-                        <a:rPr lang="de-DE" sz="4000" dirty="0"/>
+                        <a:rPr lang="de-DE" sz="4800" dirty="0"/>
                         <a:t>Person A</a:t>
                       </a:r>
                     </a:p>
@@ -4352,7 +4339,7 @@
                     <a:p>
                       <a:pPr algn="ctr"/>
                       <a:r>
-                        <a:rPr lang="de-DE" sz="4000" dirty="0"/>
+                        <a:rPr lang="de-DE" sz="4800" dirty="0"/>
                         <a:t>Person C</a:t>
                       </a:r>
                     </a:p>
@@ -4366,7 +4353,7 @@
                     <a:p>
                       <a:pPr algn="ctr"/>
                       <a:r>
-                        <a:rPr lang="de-DE" sz="4000" dirty="0"/>
+                        <a:rPr lang="de-DE" sz="4800" dirty="0"/>
                         <a:t>Person D</a:t>
                       </a:r>
                     </a:p>
@@ -4379,7 +4366,7 @@
                   </a:ext>
                 </a:extLst>
               </a:tr>
-              <a:tr h="3803274">
+              <a:tr h="4155517">
                 <a:tc>
                   <a:txBody>
                     <a:bodyPr/>
@@ -4425,10 +4412,10 @@
       </p:graphicFrame>
       <p:sp>
         <p:nvSpPr>
-          <p:cNvPr id="2" name="Textfeld 1">
+          <p:cNvPr id="13" name="Textfeld 12">
             <a:extLst>
               <a:ext uri="{FF2B5EF4-FFF2-40B4-BE49-F238E27FC236}">
-                <a16:creationId xmlns:a16="http://schemas.microsoft.com/office/drawing/2014/main" id="{66481C0A-9CA7-4557-93EF-2E86A2973C59}"/>
+                <a16:creationId xmlns:a16="http://schemas.microsoft.com/office/drawing/2014/main" id="{1DC30DDC-9BBC-45F8-A7BD-0AB20420B4A2}"/>
               </a:ext>
             </a:extLst>
           </p:cNvPr>
@@ -4437,8 +4424,8 @@
         </p:nvSpPr>
         <p:spPr>
           <a:xfrm>
-            <a:off x="9697730" y="5883770"/>
-            <a:ext cx="2251217" cy="646331"/>
+            <a:off x="8313945" y="2260430"/>
+            <a:ext cx="3355781" cy="3416320"/>
           </a:xfrm>
           <a:prstGeom prst="rect">
             <a:avLst/>
@@ -4452,9 +4439,53 @@
           <a:lstStyle/>
           <a:p>
             <a:r>
-              <a:rPr lang="de-DE" dirty="0"/>
-              <a:t>Minute 00:01 – 00:04	</a:t>
-            </a:r>
+              <a:rPr lang="de-DE" sz="5400" dirty="0"/>
+              <a:t>ruft laut in die Klasse:</a:t>
+            </a:r>
+          </a:p>
+          <a:p>
+            <a:r>
+              <a:rPr lang="de-DE" sz="5400" dirty="0"/>
+              <a:t>„Ich muss mal!“</a:t>
+            </a:r>
+          </a:p>
+        </p:txBody>
+      </p:sp>
+      <p:sp>
+        <p:nvSpPr>
+          <p:cNvPr id="7" name="Textfeld 6">
+            <a:extLst>
+              <a:ext uri="{FF2B5EF4-FFF2-40B4-BE49-F238E27FC236}">
+                <a16:creationId xmlns:a16="http://schemas.microsoft.com/office/drawing/2014/main" id="{7F02EB6C-9884-4113-A7A0-3A8DD76BE44D}"/>
+              </a:ext>
+            </a:extLst>
+          </p:cNvPr>
+          <p:cNvSpPr txBox="1"/>
+          <p:nvPr/>
+        </p:nvSpPr>
+        <p:spPr>
+          <a:xfrm>
+            <a:off x="522274" y="2260430"/>
+            <a:ext cx="3559532" cy="3693319"/>
+          </a:xfrm>
+          <a:prstGeom prst="rect">
+            <a:avLst/>
+          </a:prstGeom>
+          <a:noFill/>
+        </p:spPr>
+        <p:txBody>
+          <a:bodyPr wrap="square" rtlCol="0">
+            <a:spAutoFit/>
+          </a:bodyPr>
+          <a:lstStyle/>
+          <a:p>
+            <a:r>
+              <a:rPr lang="de-DE" sz="5400" dirty="0"/>
+              <a:t>klickert nervös mit dem Kugel-schreiben</a:t>
+            </a:r>
+          </a:p>
+          <a:p>
+            <a:endParaRPr lang="de-DE" dirty="0"/>
           </a:p>
         </p:txBody>
       </p:sp>
@@ -4472,8 +4503,8 @@
         </p:nvSpPr>
         <p:spPr>
           <a:xfrm>
-            <a:off x="8495695" y="2102676"/>
-            <a:ext cx="2899110" cy="3046988"/>
+            <a:off x="4414682" y="2260430"/>
+            <a:ext cx="3566387" cy="2585323"/>
           </a:xfrm>
           <a:prstGeom prst="rect">
             <a:avLst/>
@@ -4487,24 +4518,18 @@
           <a:lstStyle/>
           <a:p>
             <a:r>
-              <a:rPr lang="de-DE" sz="4800" dirty="0"/>
-              <a:t>ruft laut in die Klasse:</a:t>
-            </a:r>
-          </a:p>
-          <a:p>
-            <a:r>
-              <a:rPr lang="de-DE" sz="4800" dirty="0"/>
-              <a:t>„Ich muss mal!“</a:t>
-            </a:r>
-          </a:p>
-        </p:txBody>
-      </p:sp>
-      <p:sp>
-        <p:nvSpPr>
-          <p:cNvPr id="11" name="Textfeld 10">
+              <a:rPr lang="de-DE" sz="5400" dirty="0"/>
+              <a:t>kritzelt auf Arbeitsblatt herum </a:t>
+            </a:r>
+          </a:p>
+        </p:txBody>
+      </p:sp>
+      <p:sp>
+        <p:nvSpPr>
+          <p:cNvPr id="10" name="Textfeld 9">
             <a:extLst>
               <a:ext uri="{FF2B5EF4-FFF2-40B4-BE49-F238E27FC236}">
-                <a16:creationId xmlns:a16="http://schemas.microsoft.com/office/drawing/2014/main" id="{A29B4091-A8A2-41FC-A09D-EF1B7D74B7FF}"/>
+                <a16:creationId xmlns:a16="http://schemas.microsoft.com/office/drawing/2014/main" id="{0C5B146A-FDC0-4283-913A-B0FFD37CF987}"/>
               </a:ext>
             </a:extLst>
           </p:cNvPr>
@@ -4513,8 +4538,8 @@
         </p:nvSpPr>
         <p:spPr>
           <a:xfrm>
-            <a:off x="522275" y="2010343"/>
-            <a:ext cx="3509355" cy="3046988"/>
+            <a:off x="9326881" y="6485393"/>
+            <a:ext cx="2807658" cy="646331"/>
           </a:xfrm>
           <a:prstGeom prst="rect">
             <a:avLst/>
@@ -4528,43 +4553,8 @@
           <a:lstStyle/>
           <a:p>
             <a:r>
-              <a:rPr lang="de-DE" sz="4800" dirty="0"/>
-              <a:t>klickert nervös mit dem Kugel-schreiben</a:t>
-            </a:r>
-          </a:p>
-        </p:txBody>
-      </p:sp>
-      <p:sp>
-        <p:nvSpPr>
-          <p:cNvPr id="14" name="Textfeld 13">
-            <a:extLst>
-              <a:ext uri="{FF2B5EF4-FFF2-40B4-BE49-F238E27FC236}">
-                <a16:creationId xmlns:a16="http://schemas.microsoft.com/office/drawing/2014/main" id="{6034A08B-2D56-4954-8836-693DA591277F}"/>
-              </a:ext>
-            </a:extLst>
-          </p:cNvPr>
-          <p:cNvSpPr txBox="1"/>
-          <p:nvPr/>
-        </p:nvSpPr>
-        <p:spPr>
-          <a:xfrm>
-            <a:off x="4585772" y="2472008"/>
-            <a:ext cx="3355781" cy="2308324"/>
-          </a:xfrm>
-          <a:prstGeom prst="rect">
-            <a:avLst/>
-          </a:prstGeom>
-          <a:noFill/>
-        </p:spPr>
-        <p:txBody>
-          <a:bodyPr wrap="square" rtlCol="0">
-            <a:spAutoFit/>
-          </a:bodyPr>
-          <a:lstStyle/>
-          <a:p>
-            <a:r>
-              <a:rPr lang="de-DE" sz="4800" dirty="0"/>
-              <a:t>kritzelt auf Arbeitsblatt herum </a:t>
+              <a:rPr lang="de-DE" dirty="0"/>
+              <a:t>Minute 00:04 – 00:07 Folie I	</a:t>
             </a:r>
           </a:p>
         </p:txBody>
@@ -4613,7 +4603,7 @@
                                           </p:stCondLst>
                                         </p:cTn>
                                         <p:tgtEl>
-                                          <p:spTgt spid="11"/>
+                                          <p:spTgt spid="7"/>
                                         </p:tgtEl>
                                         <p:attrNameLst>
                                           <p:attrName>style.visibility</p:attrName>
@@ -4658,7 +4648,7 @@
                                           </p:stCondLst>
                                         </p:cTn>
                                         <p:tgtEl>
-                                          <p:spTgt spid="14"/>
+                                          <p:spTgt spid="8"/>
                                         </p:tgtEl>
                                         <p:attrNameLst>
                                           <p:attrName>style.visibility</p:attrName>
@@ -4703,7 +4693,7 @@
                                           </p:stCondLst>
                                         </p:cTn>
                                         <p:tgtEl>
-                                          <p:spTgt spid="8"/>
+                                          <p:spTgt spid="13"/>
                                         </p:tgtEl>
                                         <p:attrNameLst>
                                           <p:attrName>style.visibility</p:attrName>
@@ -4744,9 +4734,9 @@
       </p:par>
     </p:tnLst>
     <p:bldLst>
+      <p:bldP spid="13" grpId="0"/>
+      <p:bldP spid="7" grpId="0"/>
       <p:bldP spid="8" grpId="0"/>
-      <p:bldP spid="11" grpId="0"/>
-      <p:bldP spid="14" grpId="0"/>
     </p:bldLst>
   </p:timing>
 </p:sld>
@@ -4784,14 +4774,14 @@
           <p:nvPr>
             <p:extLst>
               <p:ext uri="{D42A27DB-BD31-4B8C-83A1-F6EECF244321}">
-                <p14:modId xmlns:p14="http://schemas.microsoft.com/office/powerpoint/2010/main" val="70161974"/>
+                <p14:modId xmlns:p14="http://schemas.microsoft.com/office/powerpoint/2010/main" val="2071895241"/>
               </p:ext>
             </p:extLst>
           </p:nvPr>
         </p:nvGraphicFramePr>
         <p:xfrm>
-          <a:off x="243052" y="1067122"/>
-          <a:ext cx="11705895" cy="4816647"/>
+          <a:off x="245097" y="187941"/>
+          <a:ext cx="11703849" cy="5695830"/>
         </p:xfrm>
         <a:graphic>
           <a:graphicData uri="http://schemas.openxmlformats.org/drawingml/2006/table">
@@ -4800,21 +4790,21 @@
                 <a:tableStyleId>{5C22544A-7EE6-4342-B048-85BDC9FD1C3A}</a:tableStyleId>
               </a:tblPr>
               <a:tblGrid>
-                <a:gridCol w="3901965">
+                <a:gridCol w="3901283">
                   <a:extLst>
                     <a:ext uri="{9D8B030D-6E8A-4147-A177-3AD203B41FA5}">
                       <a16:colId xmlns:a16="http://schemas.microsoft.com/office/drawing/2014/main" val="2418642178"/>
                     </a:ext>
                   </a:extLst>
                 </a:gridCol>
-                <a:gridCol w="3901965">
+                <a:gridCol w="3901283">
                   <a:extLst>
                     <a:ext uri="{9D8B030D-6E8A-4147-A177-3AD203B41FA5}">
                       <a16:colId xmlns:a16="http://schemas.microsoft.com/office/drawing/2014/main" val="576198228"/>
                     </a:ext>
                   </a:extLst>
                 </a:gridCol>
-                <a:gridCol w="3901965">
+                <a:gridCol w="3901283">
                   <a:extLst>
                     <a:ext uri="{9D8B030D-6E8A-4147-A177-3AD203B41FA5}">
                       <a16:colId xmlns:a16="http://schemas.microsoft.com/office/drawing/2014/main" val="924655872"/>
@@ -4822,7 +4812,7 @@
                   </a:extLst>
                 </a:gridCol>
               </a:tblGrid>
-              <a:tr h="1302557">
+              <a:tr h="1540313">
                 <a:tc>
                   <a:txBody>
                     <a:bodyPr/>
@@ -4830,7 +4820,7 @@
                     <a:p>
                       <a:pPr algn="ctr"/>
                       <a:r>
-                        <a:rPr lang="de-DE" sz="4000" dirty="0"/>
+                        <a:rPr lang="de-DE" sz="4800" dirty="0"/>
                         <a:t>Person A</a:t>
                       </a:r>
                     </a:p>
@@ -4844,7 +4834,7 @@
                     <a:p>
                       <a:pPr algn="ctr"/>
                       <a:r>
-                        <a:rPr lang="de-DE" sz="4000" dirty="0"/>
+                        <a:rPr lang="de-DE" sz="4800" dirty="0"/>
                         <a:t>Person C</a:t>
                       </a:r>
                     </a:p>
@@ -4858,7 +4848,7 @@
                     <a:p>
                       <a:pPr algn="ctr"/>
                       <a:r>
-                        <a:rPr lang="de-DE" sz="4000" dirty="0"/>
+                        <a:rPr lang="de-DE" sz="4800" dirty="0"/>
                         <a:t>Person D</a:t>
                       </a:r>
                     </a:p>
@@ -4871,7 +4861,7 @@
                   </a:ext>
                 </a:extLst>
               </a:tr>
-              <a:tr h="3514090">
+              <a:tr h="4155517">
                 <a:tc>
                   <a:txBody>
                     <a:bodyPr/>
@@ -4917,10 +4907,10 @@
       </p:graphicFrame>
       <p:sp>
         <p:nvSpPr>
-          <p:cNvPr id="10" name="Textfeld 9">
+          <p:cNvPr id="13" name="Textfeld 12">
             <a:extLst>
               <a:ext uri="{FF2B5EF4-FFF2-40B4-BE49-F238E27FC236}">
-                <a16:creationId xmlns:a16="http://schemas.microsoft.com/office/drawing/2014/main" id="{ECB736A4-6414-4736-AFC4-E07DEBBD3690}"/>
+                <a16:creationId xmlns:a16="http://schemas.microsoft.com/office/drawing/2014/main" id="{1DC30DDC-9BBC-45F8-A7BD-0AB20420B4A2}"/>
               </a:ext>
             </a:extLst>
           </p:cNvPr>
@@ -4929,8 +4919,8 @@
         </p:nvSpPr>
         <p:spPr>
           <a:xfrm>
-            <a:off x="584275" y="2713112"/>
-            <a:ext cx="3372932" cy="3323987"/>
+            <a:off x="8428735" y="2260430"/>
+            <a:ext cx="3335918" cy="3416320"/>
           </a:xfrm>
           <a:prstGeom prst="rect">
             <a:avLst/>
@@ -4944,21 +4934,18 @@
           <a:lstStyle/>
           <a:p>
             <a:r>
-              <a:rPr lang="de-DE" sz="4800" dirty="0"/>
-              <a:t>meldet sich schnipsend und stellt eine Frage</a:t>
-            </a:r>
-          </a:p>
-          <a:p>
-            <a:endParaRPr lang="de-DE" dirty="0"/>
-          </a:p>
-        </p:txBody>
-      </p:sp>
-      <p:sp>
-        <p:nvSpPr>
-          <p:cNvPr id="2" name="Textfeld 1">
+              <a:rPr lang="de-DE" sz="5400" dirty="0"/>
+              <a:t>holt Handy heraus und schaut drauf</a:t>
+            </a:r>
+          </a:p>
+        </p:txBody>
+      </p:sp>
+      <p:sp>
+        <p:nvSpPr>
+          <p:cNvPr id="7" name="Textfeld 6">
             <a:extLst>
               <a:ext uri="{FF2B5EF4-FFF2-40B4-BE49-F238E27FC236}">
-                <a16:creationId xmlns:a16="http://schemas.microsoft.com/office/drawing/2014/main" id="{66481C0A-9CA7-4557-93EF-2E86A2973C59}"/>
+                <a16:creationId xmlns:a16="http://schemas.microsoft.com/office/drawing/2014/main" id="{7F02EB6C-9884-4113-A7A0-3A8DD76BE44D}"/>
               </a:ext>
             </a:extLst>
           </p:cNvPr>
@@ -4967,8 +4954,8 @@
         </p:nvSpPr>
         <p:spPr>
           <a:xfrm>
-            <a:off x="9697730" y="5883770"/>
-            <a:ext cx="2251217" cy="646331"/>
+            <a:off x="522274" y="2260430"/>
+            <a:ext cx="3559532" cy="3416320"/>
           </a:xfrm>
           <a:prstGeom prst="rect">
             <a:avLst/>
@@ -4982,18 +4969,18 @@
           <a:lstStyle/>
           <a:p>
             <a:r>
-              <a:rPr lang="de-DE" dirty="0"/>
-              <a:t>Minute 00:04 – 00:07	</a:t>
-            </a:r>
-          </a:p>
-        </p:txBody>
-      </p:sp>
-      <p:sp>
-        <p:nvSpPr>
-          <p:cNvPr id="11" name="Textfeld 10">
+              <a:rPr lang="de-DE" sz="5400" dirty="0"/>
+              <a:t>meldet sich schnipsend und stellt eine Frage</a:t>
+            </a:r>
+          </a:p>
+        </p:txBody>
+      </p:sp>
+      <p:sp>
+        <p:nvSpPr>
+          <p:cNvPr id="8" name="Textfeld 7">
             <a:extLst>
               <a:ext uri="{FF2B5EF4-FFF2-40B4-BE49-F238E27FC236}">
-                <a16:creationId xmlns:a16="http://schemas.microsoft.com/office/drawing/2014/main" id="{F465D58B-45E0-45CF-8787-8DF327D05889}"/>
+                <a16:creationId xmlns:a16="http://schemas.microsoft.com/office/drawing/2014/main" id="{B204C9F2-1ACC-45D3-BDD4-AE831F417A49}"/>
               </a:ext>
             </a:extLst>
           </p:cNvPr>
@@ -5002,8 +4989,8 @@
         </p:nvSpPr>
         <p:spPr>
           <a:xfrm>
-            <a:off x="4486845" y="2574284"/>
-            <a:ext cx="3559532" cy="2585323"/>
+            <a:off x="4358983" y="2260430"/>
+            <a:ext cx="3792574" cy="3416320"/>
           </a:xfrm>
           <a:prstGeom prst="rect">
             <a:avLst/>
@@ -5017,21 +5004,18 @@
           <a:lstStyle/>
           <a:p>
             <a:r>
-              <a:rPr lang="de-DE" sz="4800" dirty="0"/>
+              <a:rPr lang="de-DE" sz="5400" dirty="0"/>
               <a:t>trommelt mit Händen auf dem Tisch</a:t>
             </a:r>
           </a:p>
-          <a:p>
-            <a:endParaRPr lang="de-DE" dirty="0"/>
-          </a:p>
-        </p:txBody>
-      </p:sp>
-      <p:sp>
-        <p:nvSpPr>
-          <p:cNvPr id="14" name="Textfeld 13">
+        </p:txBody>
+      </p:sp>
+      <p:sp>
+        <p:nvSpPr>
+          <p:cNvPr id="10" name="Textfeld 9">
             <a:extLst>
               <a:ext uri="{FF2B5EF4-FFF2-40B4-BE49-F238E27FC236}">
-                <a16:creationId xmlns:a16="http://schemas.microsoft.com/office/drawing/2014/main" id="{1DB88F92-76F4-455B-895C-6290CE73A201}"/>
+                <a16:creationId xmlns:a16="http://schemas.microsoft.com/office/drawing/2014/main" id="{0B05C510-7955-4B86-B102-0395D12A87E7}"/>
               </a:ext>
             </a:extLst>
           </p:cNvPr>
@@ -5040,8 +5024,8 @@
         </p:nvSpPr>
         <p:spPr>
           <a:xfrm>
-            <a:off x="8329055" y="2851283"/>
-            <a:ext cx="3478490" cy="2308324"/>
+            <a:off x="9326881" y="6485393"/>
+            <a:ext cx="2865120" cy="646331"/>
           </a:xfrm>
           <a:prstGeom prst="rect">
             <a:avLst/>
@@ -5055,8 +5039,8 @@
           <a:lstStyle/>
           <a:p>
             <a:r>
-              <a:rPr lang="de-DE" sz="4800" dirty="0"/>
-              <a:t>holt Handy heraus und schaut drauf</a:t>
+              <a:rPr lang="de-DE" dirty="0"/>
+              <a:t>Minute 00:07 – 00:10 Folie II	</a:t>
             </a:r>
           </a:p>
         </p:txBody>
@@ -5064,585 +5048,7 @@
     </p:spTree>
     <p:extLst>
       <p:ext uri="{BB962C8B-B14F-4D97-AF65-F5344CB8AC3E}">
-        <p14:creationId xmlns:p14="http://schemas.microsoft.com/office/powerpoint/2010/main" val="480364169"/>
-      </p:ext>
-    </p:extLst>
-  </p:cSld>
-  <p:clrMapOvr>
-    <a:masterClrMapping/>
-  </p:clrMapOvr>
-  <p:timing>
-    <p:tnLst>
-      <p:par>
-        <p:cTn id="1" dur="indefinite" restart="never" nodeType="tmRoot">
-          <p:childTnLst>
-            <p:seq concurrent="1" nextAc="seek">
-              <p:cTn id="2" dur="indefinite" nodeType="mainSeq">
-                <p:childTnLst>
-                  <p:par>
-                    <p:cTn id="3" fill="hold">
-                      <p:stCondLst>
-                        <p:cond delay="indefinite"/>
-                      </p:stCondLst>
-                      <p:childTnLst>
-                        <p:par>
-                          <p:cTn id="4" fill="hold">
-                            <p:stCondLst>
-                              <p:cond delay="0"/>
-                            </p:stCondLst>
-                            <p:childTnLst>
-                              <p:par>
-                                <p:cTn id="5" presetID="2" presetClass="entr" presetSubtype="4" fill="hold" grpId="0" nodeType="clickEffect">
-                                  <p:stCondLst>
-                                    <p:cond delay="0"/>
-                                  </p:stCondLst>
-                                  <p:childTnLst>
-                                    <p:set>
-                                      <p:cBhvr>
-                                        <p:cTn id="6" dur="1" fill="hold">
-                                          <p:stCondLst>
-                                            <p:cond delay="0"/>
-                                          </p:stCondLst>
-                                        </p:cTn>
-                                        <p:tgtEl>
-                                          <p:spTgt spid="10"/>
-                                        </p:tgtEl>
-                                        <p:attrNameLst>
-                                          <p:attrName>style.visibility</p:attrName>
-                                        </p:attrNameLst>
-                                      </p:cBhvr>
-                                      <p:to>
-                                        <p:strVal val="visible"/>
-                                      </p:to>
-                                    </p:set>
-                                    <p:anim calcmode="lin" valueType="num">
-                                      <p:cBhvr additive="base">
-                                        <p:cTn id="7" dur="250" fill="hold"/>
-                                        <p:tgtEl>
-                                          <p:spTgt spid="10"/>
-                                        </p:tgtEl>
-                                        <p:attrNameLst>
-                                          <p:attrName>ppt_x</p:attrName>
-                                        </p:attrNameLst>
-                                      </p:cBhvr>
-                                      <p:tavLst>
-                                        <p:tav tm="0">
-                                          <p:val>
-                                            <p:strVal val="#ppt_x"/>
-                                          </p:val>
-                                        </p:tav>
-                                        <p:tav tm="100000">
-                                          <p:val>
-                                            <p:strVal val="#ppt_x"/>
-                                          </p:val>
-                                        </p:tav>
-                                      </p:tavLst>
-                                    </p:anim>
-                                    <p:anim calcmode="lin" valueType="num">
-                                      <p:cBhvr additive="base">
-                                        <p:cTn id="8" dur="250" fill="hold"/>
-                                        <p:tgtEl>
-                                          <p:spTgt spid="10"/>
-                                        </p:tgtEl>
-                                        <p:attrNameLst>
-                                          <p:attrName>ppt_y</p:attrName>
-                                        </p:attrNameLst>
-                                      </p:cBhvr>
-                                      <p:tavLst>
-                                        <p:tav tm="0">
-                                          <p:val>
-                                            <p:strVal val="1+#ppt_h/2"/>
-                                          </p:val>
-                                        </p:tav>
-                                        <p:tav tm="100000">
-                                          <p:val>
-                                            <p:strVal val="#ppt_y"/>
-                                          </p:val>
-                                        </p:tav>
-                                      </p:tavLst>
-                                    </p:anim>
-                                  </p:childTnLst>
-                                </p:cTn>
-                              </p:par>
-                            </p:childTnLst>
-                          </p:cTn>
-                        </p:par>
-                      </p:childTnLst>
-                    </p:cTn>
-                  </p:par>
-                  <p:par>
-                    <p:cTn id="9" fill="hold">
-                      <p:stCondLst>
-                        <p:cond delay="indefinite"/>
-                      </p:stCondLst>
-                      <p:childTnLst>
-                        <p:par>
-                          <p:cTn id="10" fill="hold">
-                            <p:stCondLst>
-                              <p:cond delay="0"/>
-                            </p:stCondLst>
-                            <p:childTnLst>
-                              <p:par>
-                                <p:cTn id="11" presetID="2" presetClass="entr" presetSubtype="4" fill="hold" grpId="0" nodeType="clickEffect">
-                                  <p:stCondLst>
-                                    <p:cond delay="0"/>
-                                  </p:stCondLst>
-                                  <p:childTnLst>
-                                    <p:set>
-                                      <p:cBhvr>
-                                        <p:cTn id="12" dur="1" fill="hold">
-                                          <p:stCondLst>
-                                            <p:cond delay="0"/>
-                                          </p:stCondLst>
-                                        </p:cTn>
-                                        <p:tgtEl>
-                                          <p:spTgt spid="11"/>
-                                        </p:tgtEl>
-                                        <p:attrNameLst>
-                                          <p:attrName>style.visibility</p:attrName>
-                                        </p:attrNameLst>
-                                      </p:cBhvr>
-                                      <p:to>
-                                        <p:strVal val="visible"/>
-                                      </p:to>
-                                    </p:set>
-                                    <p:anim calcmode="lin" valueType="num">
-                                      <p:cBhvr additive="base">
-                                        <p:cTn id="13" dur="250" fill="hold"/>
-                                        <p:tgtEl>
-                                          <p:spTgt spid="11"/>
-                                        </p:tgtEl>
-                                        <p:attrNameLst>
-                                          <p:attrName>ppt_x</p:attrName>
-                                        </p:attrNameLst>
-                                      </p:cBhvr>
-                                      <p:tavLst>
-                                        <p:tav tm="0">
-                                          <p:val>
-                                            <p:strVal val="#ppt_x"/>
-                                          </p:val>
-                                        </p:tav>
-                                        <p:tav tm="100000">
-                                          <p:val>
-                                            <p:strVal val="#ppt_x"/>
-                                          </p:val>
-                                        </p:tav>
-                                      </p:tavLst>
-                                    </p:anim>
-                                    <p:anim calcmode="lin" valueType="num">
-                                      <p:cBhvr additive="base">
-                                        <p:cTn id="14" dur="250" fill="hold"/>
-                                        <p:tgtEl>
-                                          <p:spTgt spid="11"/>
-                                        </p:tgtEl>
-                                        <p:attrNameLst>
-                                          <p:attrName>ppt_y</p:attrName>
-                                        </p:attrNameLst>
-                                      </p:cBhvr>
-                                      <p:tavLst>
-                                        <p:tav tm="0">
-                                          <p:val>
-                                            <p:strVal val="1+#ppt_h/2"/>
-                                          </p:val>
-                                        </p:tav>
-                                        <p:tav tm="100000">
-                                          <p:val>
-                                            <p:strVal val="#ppt_y"/>
-                                          </p:val>
-                                        </p:tav>
-                                      </p:tavLst>
-                                    </p:anim>
-                                  </p:childTnLst>
-                                </p:cTn>
-                              </p:par>
-                            </p:childTnLst>
-                          </p:cTn>
-                        </p:par>
-                      </p:childTnLst>
-                    </p:cTn>
-                  </p:par>
-                  <p:par>
-                    <p:cTn id="15" fill="hold">
-                      <p:stCondLst>
-                        <p:cond delay="indefinite"/>
-                      </p:stCondLst>
-                      <p:childTnLst>
-                        <p:par>
-                          <p:cTn id="16" fill="hold">
-                            <p:stCondLst>
-                              <p:cond delay="0"/>
-                            </p:stCondLst>
-                            <p:childTnLst>
-                              <p:par>
-                                <p:cTn id="17" presetID="1" presetClass="entr" presetSubtype="0" fill="hold" grpId="0" nodeType="clickEffect">
-                                  <p:stCondLst>
-                                    <p:cond delay="0"/>
-                                  </p:stCondLst>
-                                  <p:childTnLst>
-                                    <p:set>
-                                      <p:cBhvr>
-                                        <p:cTn id="18" dur="1" fill="hold">
-                                          <p:stCondLst>
-                                            <p:cond delay="0"/>
-                                          </p:stCondLst>
-                                        </p:cTn>
-                                        <p:tgtEl>
-                                          <p:spTgt spid="14"/>
-                                        </p:tgtEl>
-                                        <p:attrNameLst>
-                                          <p:attrName>style.visibility</p:attrName>
-                                        </p:attrNameLst>
-                                      </p:cBhvr>
-                                      <p:to>
-                                        <p:strVal val="visible"/>
-                                      </p:to>
-                                    </p:set>
-                                  </p:childTnLst>
-                                </p:cTn>
-                              </p:par>
-                            </p:childTnLst>
-                          </p:cTn>
-                        </p:par>
-                      </p:childTnLst>
-                    </p:cTn>
-                  </p:par>
-                </p:childTnLst>
-              </p:cTn>
-              <p:prevCondLst>
-                <p:cond evt="onPrev" delay="0">
-                  <p:tgtEl>
-                    <p:sldTgt/>
-                  </p:tgtEl>
-                </p:cond>
-              </p:prevCondLst>
-              <p:nextCondLst>
-                <p:cond evt="onNext" delay="0">
-                  <p:tgtEl>
-                    <p:sldTgt/>
-                  </p:tgtEl>
-                </p:cond>
-              </p:nextCondLst>
-            </p:seq>
-          </p:childTnLst>
-        </p:cTn>
-      </p:par>
-    </p:tnLst>
-    <p:bldLst>
-      <p:bldP spid="10" grpId="0"/>
-      <p:bldP spid="11" grpId="0"/>
-      <p:bldP spid="14" grpId="0"/>
-    </p:bldLst>
-  </p:timing>
-</p:sld>
-</file>
-
-<file path=ppt/slides/slide7.xml><?xml version="1.0" encoding="utf-8"?>
-<p:sld xmlns:a="http://schemas.openxmlformats.org/drawingml/2006/main" xmlns:r="http://schemas.openxmlformats.org/officeDocument/2006/relationships" xmlns:p="http://schemas.openxmlformats.org/presentationml/2006/main">
-  <p:cSld>
-    <p:spTree>
-      <p:nvGrpSpPr>
-        <p:cNvPr id="1" name=""/>
-        <p:cNvGrpSpPr/>
-        <p:nvPr/>
-      </p:nvGrpSpPr>
-      <p:grpSpPr>
-        <a:xfrm>
-          <a:off x="0" y="0"/>
-          <a:ext cx="0" cy="0"/>
-          <a:chOff x="0" y="0"/>
-          <a:chExt cx="0" cy="0"/>
-        </a:xfrm>
-      </p:grpSpPr>
-      <p:graphicFrame>
-        <p:nvGraphicFramePr>
-          <p:cNvPr id="9" name="Tabelle 8">
-            <a:extLst>
-              <a:ext uri="{FF2B5EF4-FFF2-40B4-BE49-F238E27FC236}">
-                <a16:creationId xmlns:a16="http://schemas.microsoft.com/office/drawing/2014/main" id="{03D14FB9-213B-4A94-A9C5-D32CDA965B60}"/>
-              </a:ext>
-            </a:extLst>
-          </p:cNvPr>
-          <p:cNvGraphicFramePr>
-            <a:graphicFrameLocks noGrp="1"/>
-          </p:cNvGraphicFramePr>
-          <p:nvPr>
-            <p:extLst>
-              <p:ext uri="{D42A27DB-BD31-4B8C-83A1-F6EECF244321}">
-                <p14:modId xmlns:p14="http://schemas.microsoft.com/office/powerpoint/2010/main" val="2961618811"/>
-              </p:ext>
-            </p:extLst>
-          </p:nvPr>
-        </p:nvGraphicFramePr>
-        <p:xfrm>
-          <a:off x="243052" y="1067122"/>
-          <a:ext cx="11705895" cy="4494691"/>
-        </p:xfrm>
-        <a:graphic>
-          <a:graphicData uri="http://schemas.openxmlformats.org/drawingml/2006/table">
-            <a:tbl>
-              <a:tblPr firstRow="1" bandRow="1">
-                <a:tableStyleId>{5C22544A-7EE6-4342-B048-85BDC9FD1C3A}</a:tableStyleId>
-              </a:tblPr>
-              <a:tblGrid>
-                <a:gridCol w="3901965">
-                  <a:extLst>
-                    <a:ext uri="{9D8B030D-6E8A-4147-A177-3AD203B41FA5}">
-                      <a16:colId xmlns:a16="http://schemas.microsoft.com/office/drawing/2014/main" val="2418642178"/>
-                    </a:ext>
-                  </a:extLst>
-                </a:gridCol>
-                <a:gridCol w="3901965">
-                  <a:extLst>
-                    <a:ext uri="{9D8B030D-6E8A-4147-A177-3AD203B41FA5}">
-                      <a16:colId xmlns:a16="http://schemas.microsoft.com/office/drawing/2014/main" val="576198228"/>
-                    </a:ext>
-                  </a:extLst>
-                </a:gridCol>
-                <a:gridCol w="3901965">
-                  <a:extLst>
-                    <a:ext uri="{9D8B030D-6E8A-4147-A177-3AD203B41FA5}">
-                      <a16:colId xmlns:a16="http://schemas.microsoft.com/office/drawing/2014/main" val="924655872"/>
-                    </a:ext>
-                  </a:extLst>
-                </a:gridCol>
-              </a:tblGrid>
-              <a:tr h="1215491">
-                <a:tc>
-                  <a:txBody>
-                    <a:bodyPr/>
-                    <a:lstStyle/>
-                    <a:p>
-                      <a:pPr algn="ctr"/>
-                      <a:r>
-                        <a:rPr lang="de-DE" sz="4000" dirty="0"/>
-                        <a:t>Person A</a:t>
-                      </a:r>
-                    </a:p>
-                  </a:txBody>
-                  <a:tcPr/>
-                </a:tc>
-                <a:tc>
-                  <a:txBody>
-                    <a:bodyPr/>
-                    <a:lstStyle/>
-                    <a:p>
-                      <a:pPr algn="ctr"/>
-                      <a:r>
-                        <a:rPr lang="de-DE" sz="4000" dirty="0"/>
-                        <a:t>Person C</a:t>
-                      </a:r>
-                    </a:p>
-                  </a:txBody>
-                  <a:tcPr/>
-                </a:tc>
-                <a:tc>
-                  <a:txBody>
-                    <a:bodyPr/>
-                    <a:lstStyle/>
-                    <a:p>
-                      <a:pPr algn="ctr"/>
-                      <a:r>
-                        <a:rPr lang="de-DE" sz="4000" dirty="0"/>
-                        <a:t>Person D</a:t>
-                      </a:r>
-                    </a:p>
-                  </a:txBody>
-                  <a:tcPr/>
-                </a:tc>
-                <a:extLst>
-                  <a:ext uri="{0D108BD9-81ED-4DB2-BD59-A6C34878D82A}">
-                    <a16:rowId xmlns:a16="http://schemas.microsoft.com/office/drawing/2014/main" val="1278911543"/>
-                  </a:ext>
-                </a:extLst>
-              </a:tr>
-              <a:tr h="3279200">
-                <a:tc>
-                  <a:txBody>
-                    <a:bodyPr/>
-                    <a:lstStyle/>
-                    <a:p>
-                      <a:pPr algn="ctr"/>
-                      <a:endParaRPr lang="de-DE" sz="2800" dirty="0"/>
-                    </a:p>
-                  </a:txBody>
-                  <a:tcPr/>
-                </a:tc>
-                <a:tc>
-                  <a:txBody>
-                    <a:bodyPr/>
-                    <a:lstStyle/>
-                    <a:p>
-                      <a:pPr algn="ctr"/>
-                      <a:endParaRPr lang="de-DE" dirty="0"/>
-                    </a:p>
-                  </a:txBody>
-                  <a:tcPr/>
-                </a:tc>
-                <a:tc>
-                  <a:txBody>
-                    <a:bodyPr/>
-                    <a:lstStyle/>
-                    <a:p>
-                      <a:pPr algn="ctr"/>
-                      <a:endParaRPr lang="de-DE" dirty="0"/>
-                    </a:p>
-                  </a:txBody>
-                  <a:tcPr/>
-                </a:tc>
-                <a:extLst>
-                  <a:ext uri="{0D108BD9-81ED-4DB2-BD59-A6C34878D82A}">
-                    <a16:rowId xmlns:a16="http://schemas.microsoft.com/office/drawing/2014/main" val="4198354200"/>
-                  </a:ext>
-                </a:extLst>
-              </a:tr>
-            </a:tbl>
-          </a:graphicData>
-        </a:graphic>
-      </p:graphicFrame>
-      <p:sp>
-        <p:nvSpPr>
-          <p:cNvPr id="12" name="Textfeld 11">
-            <a:extLst>
-              <a:ext uri="{FF2B5EF4-FFF2-40B4-BE49-F238E27FC236}">
-                <a16:creationId xmlns:a16="http://schemas.microsoft.com/office/drawing/2014/main" id="{D9CA8BF7-66D4-4E8C-AF2D-40B2E1A475F0}"/>
-              </a:ext>
-            </a:extLst>
-          </p:cNvPr>
-          <p:cNvSpPr txBox="1"/>
-          <p:nvPr/>
-        </p:nvSpPr>
-        <p:spPr>
-          <a:xfrm>
-            <a:off x="4418108" y="2554896"/>
-            <a:ext cx="3355781" cy="1569660"/>
-          </a:xfrm>
-          <a:prstGeom prst="rect">
-            <a:avLst/>
-          </a:prstGeom>
-          <a:noFill/>
-        </p:spPr>
-        <p:txBody>
-          <a:bodyPr wrap="square" rtlCol="0">
-            <a:spAutoFit/>
-          </a:bodyPr>
-          <a:lstStyle/>
-          <a:p>
-            <a:r>
-              <a:rPr lang="de-DE" sz="4800" dirty="0"/>
-              <a:t>schwatzt mit Nachbar*in</a:t>
-            </a:r>
-          </a:p>
-        </p:txBody>
-      </p:sp>
-      <p:sp>
-        <p:nvSpPr>
-          <p:cNvPr id="2" name="Textfeld 1">
-            <a:extLst>
-              <a:ext uri="{FF2B5EF4-FFF2-40B4-BE49-F238E27FC236}">
-                <a16:creationId xmlns:a16="http://schemas.microsoft.com/office/drawing/2014/main" id="{66481C0A-9CA7-4557-93EF-2E86A2973C59}"/>
-              </a:ext>
-            </a:extLst>
-          </p:cNvPr>
-          <p:cNvSpPr txBox="1"/>
-          <p:nvPr/>
-        </p:nvSpPr>
-        <p:spPr>
-          <a:xfrm>
-            <a:off x="9697730" y="5883770"/>
-            <a:ext cx="2251217" cy="646331"/>
-          </a:xfrm>
-          <a:prstGeom prst="rect">
-            <a:avLst/>
-          </a:prstGeom>
-          <a:noFill/>
-        </p:spPr>
-        <p:txBody>
-          <a:bodyPr wrap="square" rtlCol="0">
-            <a:spAutoFit/>
-          </a:bodyPr>
-          <a:lstStyle/>
-          <a:p>
-            <a:r>
-              <a:rPr lang="de-DE" dirty="0"/>
-              <a:t>Minute 00:07 – 00:10	</a:t>
-            </a:r>
-          </a:p>
-        </p:txBody>
-      </p:sp>
-      <p:sp>
-        <p:nvSpPr>
-          <p:cNvPr id="7" name="Textfeld 6">
-            <a:extLst>
-              <a:ext uri="{FF2B5EF4-FFF2-40B4-BE49-F238E27FC236}">
-                <a16:creationId xmlns:a16="http://schemas.microsoft.com/office/drawing/2014/main" id="{5B2306D9-BF6E-4795-9087-E9C7D3D29316}"/>
-              </a:ext>
-            </a:extLst>
-          </p:cNvPr>
-          <p:cNvSpPr txBox="1"/>
-          <p:nvPr/>
-        </p:nvSpPr>
-        <p:spPr>
-          <a:xfrm>
-            <a:off x="8312795" y="2502816"/>
-            <a:ext cx="3478490" cy="3046988"/>
-          </a:xfrm>
-          <a:prstGeom prst="rect">
-            <a:avLst/>
-          </a:prstGeom>
-          <a:noFill/>
-        </p:spPr>
-        <p:txBody>
-          <a:bodyPr wrap="square" rtlCol="0">
-            <a:spAutoFit/>
-          </a:bodyPr>
-          <a:lstStyle/>
-          <a:p>
-            <a:r>
-              <a:rPr lang="de-DE" sz="4800" dirty="0"/>
-              <a:t>steht in der Klasse auf und geht herum</a:t>
-            </a:r>
-          </a:p>
-        </p:txBody>
-      </p:sp>
-      <p:sp>
-        <p:nvSpPr>
-          <p:cNvPr id="8" name="Textfeld 7">
-            <a:extLst>
-              <a:ext uri="{FF2B5EF4-FFF2-40B4-BE49-F238E27FC236}">
-                <a16:creationId xmlns:a16="http://schemas.microsoft.com/office/drawing/2014/main" id="{4FC155C6-B20C-4E2E-A18F-A5DECC422AC9}"/>
-              </a:ext>
-            </a:extLst>
-          </p:cNvPr>
-          <p:cNvSpPr txBox="1"/>
-          <p:nvPr/>
-        </p:nvSpPr>
-        <p:spPr>
-          <a:xfrm>
-            <a:off x="652690" y="2554896"/>
-            <a:ext cx="3355781" cy="2308324"/>
-          </a:xfrm>
-          <a:prstGeom prst="rect">
-            <a:avLst/>
-          </a:prstGeom>
-          <a:noFill/>
-        </p:spPr>
-        <p:txBody>
-          <a:bodyPr wrap="square" rtlCol="0">
-            <a:spAutoFit/>
-          </a:bodyPr>
-          <a:lstStyle/>
-          <a:p>
-            <a:r>
-              <a:rPr lang="de-DE" sz="4800" dirty="0"/>
-              <a:t>legt Kopf auf Bank und schläft</a:t>
-            </a:r>
-          </a:p>
-        </p:txBody>
-      </p:sp>
-    </p:spTree>
-    <p:extLst>
-      <p:ext uri="{BB962C8B-B14F-4D97-AF65-F5344CB8AC3E}">
-        <p14:creationId xmlns:p14="http://schemas.microsoft.com/office/powerpoint/2010/main" val="2830185697"/>
+        <p14:creationId xmlns:p14="http://schemas.microsoft.com/office/powerpoint/2010/main" val="1054434840"/>
       </p:ext>
     </p:extLst>
   </p:cSld>
@@ -5683,7 +5089,7 @@
                                           </p:stCondLst>
                                         </p:cTn>
                                         <p:tgtEl>
-                                          <p:spTgt spid="8"/>
+                                          <p:spTgt spid="7"/>
                                         </p:tgtEl>
                                         <p:attrNameLst>
                                           <p:attrName>style.visibility</p:attrName>
@@ -5728,7 +5134,7 @@
                                           </p:stCondLst>
                                         </p:cTn>
                                         <p:tgtEl>
-                                          <p:spTgt spid="12"/>
+                                          <p:spTgt spid="8"/>
                                         </p:tgtEl>
                                         <p:attrNameLst>
                                           <p:attrName>style.visibility</p:attrName>
@@ -5773,7 +5179,7 @@
                                           </p:stCondLst>
                                         </p:cTn>
                                         <p:tgtEl>
-                                          <p:spTgt spid="7"/>
+                                          <p:spTgt spid="13"/>
                                         </p:tgtEl>
                                         <p:attrNameLst>
                                           <p:attrName>style.visibility</p:attrName>
@@ -5814,7 +5220,493 @@
       </p:par>
     </p:tnLst>
     <p:bldLst>
-      <p:bldP spid="12" grpId="0"/>
+      <p:bldP spid="13" grpId="0"/>
+      <p:bldP spid="7" grpId="0"/>
+      <p:bldP spid="8" grpId="0"/>
+    </p:bldLst>
+  </p:timing>
+</p:sld>
+</file>
+
+<file path=ppt/slides/slide7.xml><?xml version="1.0" encoding="utf-8"?>
+<p:sld xmlns:a="http://schemas.openxmlformats.org/drawingml/2006/main" xmlns:r="http://schemas.openxmlformats.org/officeDocument/2006/relationships" xmlns:p="http://schemas.openxmlformats.org/presentationml/2006/main">
+  <p:cSld>
+    <p:spTree>
+      <p:nvGrpSpPr>
+        <p:cNvPr id="1" name=""/>
+        <p:cNvGrpSpPr/>
+        <p:nvPr/>
+      </p:nvGrpSpPr>
+      <p:grpSpPr>
+        <a:xfrm>
+          <a:off x="0" y="0"/>
+          <a:ext cx="0" cy="0"/>
+          <a:chOff x="0" y="0"/>
+          <a:chExt cx="0" cy="0"/>
+        </a:xfrm>
+      </p:grpSpPr>
+      <p:graphicFrame>
+        <p:nvGraphicFramePr>
+          <p:cNvPr id="9" name="Tabelle 8">
+            <a:extLst>
+              <a:ext uri="{FF2B5EF4-FFF2-40B4-BE49-F238E27FC236}">
+                <a16:creationId xmlns:a16="http://schemas.microsoft.com/office/drawing/2014/main" id="{03D14FB9-213B-4A94-A9C5-D32CDA965B60}"/>
+              </a:ext>
+            </a:extLst>
+          </p:cNvPr>
+          <p:cNvGraphicFramePr>
+            <a:graphicFrameLocks noGrp="1"/>
+          </p:cNvGraphicFramePr>
+          <p:nvPr>
+            <p:extLst>
+              <p:ext uri="{D42A27DB-BD31-4B8C-83A1-F6EECF244321}">
+                <p14:modId xmlns:p14="http://schemas.microsoft.com/office/powerpoint/2010/main" val="2647948500"/>
+              </p:ext>
+            </p:extLst>
+          </p:nvPr>
+        </p:nvGraphicFramePr>
+        <p:xfrm>
+          <a:off x="245097" y="187941"/>
+          <a:ext cx="11703849" cy="5695830"/>
+        </p:xfrm>
+        <a:graphic>
+          <a:graphicData uri="http://schemas.openxmlformats.org/drawingml/2006/table">
+            <a:tbl>
+              <a:tblPr firstRow="1" bandRow="1">
+                <a:tableStyleId>{5C22544A-7EE6-4342-B048-85BDC9FD1C3A}</a:tableStyleId>
+              </a:tblPr>
+              <a:tblGrid>
+                <a:gridCol w="3901283">
+                  <a:extLst>
+                    <a:ext uri="{9D8B030D-6E8A-4147-A177-3AD203B41FA5}">
+                      <a16:colId xmlns:a16="http://schemas.microsoft.com/office/drawing/2014/main" val="2418642178"/>
+                    </a:ext>
+                  </a:extLst>
+                </a:gridCol>
+                <a:gridCol w="3901283">
+                  <a:extLst>
+                    <a:ext uri="{9D8B030D-6E8A-4147-A177-3AD203B41FA5}">
+                      <a16:colId xmlns:a16="http://schemas.microsoft.com/office/drawing/2014/main" val="576198228"/>
+                    </a:ext>
+                  </a:extLst>
+                </a:gridCol>
+                <a:gridCol w="3901283">
+                  <a:extLst>
+                    <a:ext uri="{9D8B030D-6E8A-4147-A177-3AD203B41FA5}">
+                      <a16:colId xmlns:a16="http://schemas.microsoft.com/office/drawing/2014/main" val="924655872"/>
+                    </a:ext>
+                  </a:extLst>
+                </a:gridCol>
+              </a:tblGrid>
+              <a:tr h="1540313">
+                <a:tc>
+                  <a:txBody>
+                    <a:bodyPr/>
+                    <a:lstStyle/>
+                    <a:p>
+                      <a:pPr algn="ctr"/>
+                      <a:r>
+                        <a:rPr lang="de-DE" sz="4800" dirty="0"/>
+                        <a:t>Person A</a:t>
+                      </a:r>
+                    </a:p>
+                  </a:txBody>
+                  <a:tcPr/>
+                </a:tc>
+                <a:tc>
+                  <a:txBody>
+                    <a:bodyPr/>
+                    <a:lstStyle/>
+                    <a:p>
+                      <a:pPr algn="ctr"/>
+                      <a:r>
+                        <a:rPr lang="de-DE" sz="4800" dirty="0"/>
+                        <a:t>Person C</a:t>
+                      </a:r>
+                    </a:p>
+                  </a:txBody>
+                  <a:tcPr/>
+                </a:tc>
+                <a:tc>
+                  <a:txBody>
+                    <a:bodyPr/>
+                    <a:lstStyle/>
+                    <a:p>
+                      <a:pPr algn="ctr"/>
+                      <a:r>
+                        <a:rPr lang="de-DE" sz="4800" dirty="0"/>
+                        <a:t>Person D</a:t>
+                      </a:r>
+                    </a:p>
+                  </a:txBody>
+                  <a:tcPr/>
+                </a:tc>
+                <a:extLst>
+                  <a:ext uri="{0D108BD9-81ED-4DB2-BD59-A6C34878D82A}">
+                    <a16:rowId xmlns:a16="http://schemas.microsoft.com/office/drawing/2014/main" val="1278911543"/>
+                  </a:ext>
+                </a:extLst>
+              </a:tr>
+              <a:tr h="4155517">
+                <a:tc>
+                  <a:txBody>
+                    <a:bodyPr/>
+                    <a:lstStyle/>
+                    <a:p>
+                      <a:pPr algn="ctr"/>
+                      <a:endParaRPr lang="de-DE" sz="2800" dirty="0"/>
+                    </a:p>
+                  </a:txBody>
+                  <a:tcPr/>
+                </a:tc>
+                <a:tc>
+                  <a:txBody>
+                    <a:bodyPr/>
+                    <a:lstStyle/>
+                    <a:p>
+                      <a:pPr algn="ctr"/>
+                      <a:endParaRPr lang="de-DE" dirty="0"/>
+                    </a:p>
+                  </a:txBody>
+                  <a:tcPr/>
+                </a:tc>
+                <a:tc>
+                  <a:txBody>
+                    <a:bodyPr/>
+                    <a:lstStyle/>
+                    <a:p>
+                      <a:pPr algn="ctr"/>
+                      <a:endParaRPr lang="de-DE" dirty="0"/>
+                    </a:p>
+                  </a:txBody>
+                  <a:tcPr/>
+                </a:tc>
+                <a:extLst>
+                  <a:ext uri="{0D108BD9-81ED-4DB2-BD59-A6C34878D82A}">
+                    <a16:rowId xmlns:a16="http://schemas.microsoft.com/office/drawing/2014/main" val="4198354200"/>
+                  </a:ext>
+                </a:extLst>
+              </a:tr>
+            </a:tbl>
+          </a:graphicData>
+        </a:graphic>
+      </p:graphicFrame>
+      <p:sp>
+        <p:nvSpPr>
+          <p:cNvPr id="13" name="Textfeld 12">
+            <a:extLst>
+              <a:ext uri="{FF2B5EF4-FFF2-40B4-BE49-F238E27FC236}">
+                <a16:creationId xmlns:a16="http://schemas.microsoft.com/office/drawing/2014/main" id="{1DC30DDC-9BBC-45F8-A7BD-0AB20420B4A2}"/>
+              </a:ext>
+            </a:extLst>
+          </p:cNvPr>
+          <p:cNvSpPr txBox="1"/>
+          <p:nvPr/>
+        </p:nvSpPr>
+        <p:spPr>
+          <a:xfrm>
+            <a:off x="8240198" y="2254421"/>
+            <a:ext cx="3878055" cy="3416320"/>
+          </a:xfrm>
+          <a:prstGeom prst="rect">
+            <a:avLst/>
+          </a:prstGeom>
+          <a:noFill/>
+        </p:spPr>
+        <p:txBody>
+          <a:bodyPr wrap="square" rtlCol="0">
+            <a:spAutoFit/>
+          </a:bodyPr>
+          <a:lstStyle/>
+          <a:p>
+            <a:r>
+              <a:rPr lang="de-DE" sz="5400" dirty="0"/>
+              <a:t>dreht sich um und starrt aus dem Fenster</a:t>
+            </a:r>
+          </a:p>
+        </p:txBody>
+      </p:sp>
+      <p:sp>
+        <p:nvSpPr>
+          <p:cNvPr id="7" name="Textfeld 6">
+            <a:extLst>
+              <a:ext uri="{FF2B5EF4-FFF2-40B4-BE49-F238E27FC236}">
+                <a16:creationId xmlns:a16="http://schemas.microsoft.com/office/drawing/2014/main" id="{7F02EB6C-9884-4113-A7A0-3A8DD76BE44D}"/>
+              </a:ext>
+            </a:extLst>
+          </p:cNvPr>
+          <p:cNvSpPr txBox="1"/>
+          <p:nvPr/>
+        </p:nvSpPr>
+        <p:spPr>
+          <a:xfrm>
+            <a:off x="522274" y="2260430"/>
+            <a:ext cx="3240993" cy="3416320"/>
+          </a:xfrm>
+          <a:prstGeom prst="rect">
+            <a:avLst/>
+          </a:prstGeom>
+          <a:noFill/>
+        </p:spPr>
+        <p:txBody>
+          <a:bodyPr wrap="square" rtlCol="0">
+            <a:spAutoFit/>
+          </a:bodyPr>
+          <a:lstStyle/>
+          <a:p>
+            <a:r>
+              <a:rPr lang="de-DE" sz="5400" dirty="0"/>
+              <a:t>legt Kopf auf Bank und schläft</a:t>
+            </a:r>
+          </a:p>
+        </p:txBody>
+      </p:sp>
+      <p:sp>
+        <p:nvSpPr>
+          <p:cNvPr id="8" name="Textfeld 7">
+            <a:extLst>
+              <a:ext uri="{FF2B5EF4-FFF2-40B4-BE49-F238E27FC236}">
+                <a16:creationId xmlns:a16="http://schemas.microsoft.com/office/drawing/2014/main" id="{B204C9F2-1ACC-45D3-BDD4-AE831F417A49}"/>
+              </a:ext>
+            </a:extLst>
+          </p:cNvPr>
+          <p:cNvSpPr txBox="1"/>
+          <p:nvPr/>
+        </p:nvSpPr>
+        <p:spPr>
+          <a:xfrm>
+            <a:off x="4358983" y="2258427"/>
+            <a:ext cx="3540679" cy="2585323"/>
+          </a:xfrm>
+          <a:prstGeom prst="rect">
+            <a:avLst/>
+          </a:prstGeom>
+          <a:noFill/>
+        </p:spPr>
+        <p:txBody>
+          <a:bodyPr wrap="square" rtlCol="0">
+            <a:spAutoFit/>
+          </a:bodyPr>
+          <a:lstStyle/>
+          <a:p>
+            <a:r>
+              <a:rPr lang="de-DE" sz="5400" dirty="0"/>
+              <a:t>schwatzt mit Nachbar*in</a:t>
+            </a:r>
+          </a:p>
+        </p:txBody>
+      </p:sp>
+      <p:sp>
+        <p:nvSpPr>
+          <p:cNvPr id="10" name="Textfeld 9">
+            <a:extLst>
+              <a:ext uri="{FF2B5EF4-FFF2-40B4-BE49-F238E27FC236}">
+                <a16:creationId xmlns:a16="http://schemas.microsoft.com/office/drawing/2014/main" id="{CFE6A7DC-1B51-4B3D-A804-025DF957F638}"/>
+              </a:ext>
+            </a:extLst>
+          </p:cNvPr>
+          <p:cNvSpPr txBox="1"/>
+          <p:nvPr/>
+        </p:nvSpPr>
+        <p:spPr>
+          <a:xfrm>
+            <a:off x="9231320" y="6485393"/>
+            <a:ext cx="2960680" cy="369332"/>
+          </a:xfrm>
+          <a:prstGeom prst="rect">
+            <a:avLst/>
+          </a:prstGeom>
+          <a:noFill/>
+        </p:spPr>
+        <p:txBody>
+          <a:bodyPr wrap="square" rtlCol="0">
+            <a:spAutoFit/>
+          </a:bodyPr>
+          <a:lstStyle/>
+          <a:p>
+            <a:r>
+              <a:rPr lang="de-DE" dirty="0"/>
+              <a:t>Minute 00:07 – 00:10 Folie III	</a:t>
+            </a:r>
+          </a:p>
+        </p:txBody>
+      </p:sp>
+    </p:spTree>
+    <p:extLst>
+      <p:ext uri="{BB962C8B-B14F-4D97-AF65-F5344CB8AC3E}">
+        <p14:creationId xmlns:p14="http://schemas.microsoft.com/office/powerpoint/2010/main" val="3322342255"/>
+      </p:ext>
+    </p:extLst>
+  </p:cSld>
+  <p:clrMapOvr>
+    <a:masterClrMapping/>
+  </p:clrMapOvr>
+  <p:timing>
+    <p:tnLst>
+      <p:par>
+        <p:cTn id="1" dur="indefinite" restart="never" nodeType="tmRoot">
+          <p:childTnLst>
+            <p:seq concurrent="1" nextAc="seek">
+              <p:cTn id="2" dur="indefinite" nodeType="mainSeq">
+                <p:childTnLst>
+                  <p:par>
+                    <p:cTn id="3" fill="hold">
+                      <p:stCondLst>
+                        <p:cond delay="indefinite"/>
+                      </p:stCondLst>
+                      <p:childTnLst>
+                        <p:par>
+                          <p:cTn id="4" fill="hold">
+                            <p:stCondLst>
+                              <p:cond delay="0"/>
+                            </p:stCondLst>
+                            <p:childTnLst>
+                              <p:par>
+                                <p:cTn id="5" presetID="1" presetClass="entr" presetSubtype="0" fill="hold" grpId="0" nodeType="clickEffect">
+                                  <p:stCondLst>
+                                    <p:cond delay="0"/>
+                                  </p:stCondLst>
+                                  <p:childTnLst>
+                                    <p:set>
+                                      <p:cBhvr>
+                                        <p:cTn id="6" dur="1" fill="hold">
+                                          <p:stCondLst>
+                                            <p:cond delay="0"/>
+                                          </p:stCondLst>
+                                        </p:cTn>
+                                        <p:tgtEl>
+                                          <p:spTgt spid="7"/>
+                                        </p:tgtEl>
+                                        <p:attrNameLst>
+                                          <p:attrName>style.visibility</p:attrName>
+                                        </p:attrNameLst>
+                                      </p:cBhvr>
+                                      <p:to>
+                                        <p:strVal val="visible"/>
+                                      </p:to>
+                                    </p:set>
+                                  </p:childTnLst>
+                                </p:cTn>
+                              </p:par>
+                            </p:childTnLst>
+                          </p:cTn>
+                        </p:par>
+                      </p:childTnLst>
+                    </p:cTn>
+                  </p:par>
+                  <p:par>
+                    <p:cTn id="7" fill="hold">
+                      <p:stCondLst>
+                        <p:cond delay="indefinite"/>
+                      </p:stCondLst>
+                      <p:childTnLst>
+                        <p:par>
+                          <p:cTn id="8" fill="hold">
+                            <p:stCondLst>
+                              <p:cond delay="0"/>
+                            </p:stCondLst>
+                            <p:childTnLst>
+                              <p:par>
+                                <p:cTn id="9" presetID="1" presetClass="entr" presetSubtype="0" fill="hold" grpId="0" nodeType="clickEffect">
+                                  <p:stCondLst>
+                                    <p:cond delay="0"/>
+                                  </p:stCondLst>
+                                  <p:childTnLst>
+                                    <p:set>
+                                      <p:cBhvr>
+                                        <p:cTn id="10" dur="1" fill="hold">
+                                          <p:stCondLst>
+                                            <p:cond delay="0"/>
+                                          </p:stCondLst>
+                                        </p:cTn>
+                                        <p:tgtEl>
+                                          <p:spTgt spid="8"/>
+                                        </p:tgtEl>
+                                        <p:attrNameLst>
+                                          <p:attrName>style.visibility</p:attrName>
+                                        </p:attrNameLst>
+                                      </p:cBhvr>
+                                      <p:to>
+                                        <p:strVal val="visible"/>
+                                      </p:to>
+                                    </p:set>
+                                  </p:childTnLst>
+                                </p:cTn>
+                              </p:par>
+                            </p:childTnLst>
+                          </p:cTn>
+                        </p:par>
+                      </p:childTnLst>
+                    </p:cTn>
+                  </p:par>
+                  <p:par>
+                    <p:cTn id="11" fill="hold">
+                      <p:stCondLst>
+                        <p:cond delay="indefinite"/>
+                      </p:stCondLst>
+                      <p:childTnLst>
+                        <p:par>
+                          <p:cTn id="12" fill="hold">
+                            <p:stCondLst>
+                              <p:cond delay="0"/>
+                            </p:stCondLst>
+                            <p:childTnLst>
+                              <p:par>
+                                <p:cTn id="13" presetID="1" presetClass="entr" presetSubtype="0" fill="hold" grpId="0" nodeType="clickEffect">
+                                  <p:stCondLst>
+                                    <p:cond delay="0"/>
+                                  </p:stCondLst>
+                                  <p:childTnLst>
+                                    <p:set>
+                                      <p:cBhvr>
+                                        <p:cTn id="14" dur="1" fill="hold">
+                                          <p:stCondLst>
+                                            <p:cond delay="0"/>
+                                          </p:stCondLst>
+                                        </p:cTn>
+                                        <p:tgtEl>
+                                          <p:spTgt spid="13"/>
+                                        </p:tgtEl>
+                                        <p:attrNameLst>
+                                          <p:attrName>style.visibility</p:attrName>
+                                        </p:attrNameLst>
+                                      </p:cBhvr>
+                                      <p:to>
+                                        <p:strVal val="visible"/>
+                                      </p:to>
+                                    </p:set>
+                                  </p:childTnLst>
+                                </p:cTn>
+                              </p:par>
+                            </p:childTnLst>
+                          </p:cTn>
+                        </p:par>
+                      </p:childTnLst>
+                    </p:cTn>
+                  </p:par>
+                </p:childTnLst>
+              </p:cTn>
+              <p:prevCondLst>
+                <p:cond evt="onPrev" delay="0">
+                  <p:tgtEl>
+                    <p:sldTgt/>
+                  </p:tgtEl>
+                </p:cond>
+              </p:prevCondLst>
+              <p:nextCondLst>
+                <p:cond evt="onNext" delay="0">
+                  <p:tgtEl>
+                    <p:sldTgt/>
+                  </p:tgtEl>
+                </p:cond>
+              </p:nextCondLst>
+            </p:seq>
+          </p:childTnLst>
+        </p:cTn>
+      </p:par>
+    </p:tnLst>
+    <p:bldLst>
+      <p:bldP spid="13" grpId="0"/>
       <p:bldP spid="7" grpId="0"/>
       <p:bldP spid="8" grpId="0"/>
     </p:bldLst>
@@ -5915,7 +5807,7 @@
         </p:nvSpPr>
         <p:spPr>
           <a:xfrm>
-            <a:off x="1915128" y="1788454"/>
+            <a:off x="1160984" y="2127819"/>
             <a:ext cx="8830901" cy="3173160"/>
           </a:xfrm>
         </p:spPr>
